--- a/Revised_Project_PPT.pptx
+++ b/Revised_Project_PPT.pptx
@@ -5,20 +5,22 @@
     <p:sldMasterId id="2147483685" r:id="rId1"/>
   </p:sldMasterIdLst>
   <p:notesMasterIdLst>
-    <p:notesMasterId r:id="rId13"/>
+    <p:notesMasterId r:id="rId15"/>
   </p:notesMasterIdLst>
   <p:sldIdLst>
     <p:sldId id="266" r:id="rId2"/>
     <p:sldId id="258" r:id="rId3"/>
     <p:sldId id="259" r:id="rId4"/>
-    <p:sldId id="260" r:id="rId5"/>
-    <p:sldId id="261" r:id="rId6"/>
-    <p:sldId id="267" r:id="rId7"/>
-    <p:sldId id="268" r:id="rId8"/>
-    <p:sldId id="269" r:id="rId9"/>
-    <p:sldId id="264" r:id="rId10"/>
-    <p:sldId id="265" r:id="rId11"/>
-    <p:sldId id="262" r:id="rId12"/>
+    <p:sldId id="271" r:id="rId5"/>
+    <p:sldId id="267" r:id="rId6"/>
+    <p:sldId id="268" r:id="rId7"/>
+    <p:sldId id="269" r:id="rId8"/>
+    <p:sldId id="272" r:id="rId9"/>
+    <p:sldId id="257" r:id="rId10"/>
+    <p:sldId id="270" r:id="rId11"/>
+    <p:sldId id="264" r:id="rId12"/>
+    <p:sldId id="265" r:id="rId13"/>
+    <p:sldId id="262" r:id="rId14"/>
   </p:sldIdLst>
   <p:sldSz cx="12192000" cy="6858000"/>
   <p:notesSz cx="6858000" cy="9144000"/>
@@ -207,7 +209,7 @@
           <a:p>
             <a:fld id="{40A0C581-C517-4501-8813-2C600368045E}" type="datetimeFigureOut">
               <a:rPr lang="en-IN" smtClean="0"/>
-              <a:t>19-02-2024</a:t>
+              <a:t>24-02-2024</a:t>
             </a:fld>
             <a:endParaRPr lang="en-IN"/>
           </a:p>
@@ -622,7 +624,7 @@
           <a:p>
             <a:fld id="{71ED5438-703D-4630-A83F-4DB47031C970}" type="datetimeFigureOut">
               <a:rPr lang="en-US" smtClean="0"/>
-              <a:t>2/19/2024</a:t>
+              <a:t>2/24/2024</a:t>
             </a:fld>
             <a:endParaRPr lang="en-US"/>
           </a:p>
@@ -820,7 +822,7 @@
           <a:p>
             <a:fld id="{71ED5438-703D-4630-A83F-4DB47031C970}" type="datetimeFigureOut">
               <a:rPr lang="en-US" smtClean="0"/>
-              <a:t>2/19/2024</a:t>
+              <a:t>2/24/2024</a:t>
             </a:fld>
             <a:endParaRPr lang="en-US"/>
           </a:p>
@@ -1028,7 +1030,7 @@
           <a:p>
             <a:fld id="{71ED5438-703D-4630-A83F-4DB47031C970}" type="datetimeFigureOut">
               <a:rPr lang="en-US" smtClean="0"/>
-              <a:t>2/19/2024</a:t>
+              <a:t>2/24/2024</a:t>
             </a:fld>
             <a:endParaRPr lang="en-US"/>
           </a:p>
@@ -1226,7 +1228,7 @@
           <a:p>
             <a:fld id="{71ED5438-703D-4630-A83F-4DB47031C970}" type="datetimeFigureOut">
               <a:rPr lang="en-US" smtClean="0"/>
-              <a:t>2/19/2024</a:t>
+              <a:t>2/24/2024</a:t>
             </a:fld>
             <a:endParaRPr lang="en-US"/>
           </a:p>
@@ -1501,7 +1503,7 @@
           <a:p>
             <a:fld id="{71ED5438-703D-4630-A83F-4DB47031C970}" type="datetimeFigureOut">
               <a:rPr lang="en-US" smtClean="0"/>
-              <a:t>2/19/2024</a:t>
+              <a:t>2/24/2024</a:t>
             </a:fld>
             <a:endParaRPr lang="en-US"/>
           </a:p>
@@ -1766,7 +1768,7 @@
           <a:p>
             <a:fld id="{71ED5438-703D-4630-A83F-4DB47031C970}" type="datetimeFigureOut">
               <a:rPr lang="en-US" smtClean="0"/>
-              <a:t>2/19/2024</a:t>
+              <a:t>2/24/2024</a:t>
             </a:fld>
             <a:endParaRPr lang="en-US"/>
           </a:p>
@@ -2178,7 +2180,7 @@
           <a:p>
             <a:fld id="{71ED5438-703D-4630-A83F-4DB47031C970}" type="datetimeFigureOut">
               <a:rPr lang="en-US" smtClean="0"/>
-              <a:t>2/19/2024</a:t>
+              <a:t>2/24/2024</a:t>
             </a:fld>
             <a:endParaRPr lang="en-US"/>
           </a:p>
@@ -2319,7 +2321,7 @@
           <a:p>
             <a:fld id="{71ED5438-703D-4630-A83F-4DB47031C970}" type="datetimeFigureOut">
               <a:rPr lang="en-US" smtClean="0"/>
-              <a:t>2/19/2024</a:t>
+              <a:t>2/24/2024</a:t>
             </a:fld>
             <a:endParaRPr lang="en-US"/>
           </a:p>
@@ -2432,7 +2434,7 @@
           <a:p>
             <a:fld id="{71ED5438-703D-4630-A83F-4DB47031C970}" type="datetimeFigureOut">
               <a:rPr lang="en-US" smtClean="0"/>
-              <a:t>2/19/2024</a:t>
+              <a:t>2/24/2024</a:t>
             </a:fld>
             <a:endParaRPr lang="en-US"/>
           </a:p>
@@ -2743,7 +2745,7 @@
           <a:p>
             <a:fld id="{71ED5438-703D-4630-A83F-4DB47031C970}" type="datetimeFigureOut">
               <a:rPr lang="en-US" smtClean="0"/>
-              <a:t>2/19/2024</a:t>
+              <a:t>2/24/2024</a:t>
             </a:fld>
             <a:endParaRPr lang="en-US"/>
           </a:p>
@@ -3031,7 +3033,7 @@
           <a:p>
             <a:fld id="{71ED5438-703D-4630-A83F-4DB47031C970}" type="datetimeFigureOut">
               <a:rPr lang="en-US" smtClean="0"/>
-              <a:t>2/19/2024</a:t>
+              <a:t>2/24/2024</a:t>
             </a:fld>
             <a:endParaRPr lang="en-US"/>
           </a:p>
@@ -3272,7 +3274,7 @@
           <a:p>
             <a:fld id="{71ED5438-703D-4630-A83F-4DB47031C970}" type="datetimeFigureOut">
               <a:rPr lang="en-US" smtClean="0"/>
-              <a:t>2/19/2024</a:t>
+              <a:t>2/24/2024</a:t>
             </a:fld>
             <a:endParaRPr lang="en-US"/>
           </a:p>
@@ -3890,6 +3892,18 @@
           <a:lstStyle/>
           <a:p>
             <a:r>
+              <a:rPr lang="en-IN" dirty="0"/>
+              <a:t>Aman Shrivastava (230943025005)</a:t>
+            </a:r>
+          </a:p>
+          <a:p>
+            <a:r>
+              <a:rPr lang="en-IN" dirty="0"/>
+              <a:t>Pratik Reddy (230943025039)</a:t>
+            </a:r>
+          </a:p>
+          <a:p>
+            <a:r>
               <a:rPr lang="en-IN" dirty="0" err="1"/>
               <a:t>Rushikesh</a:t>
             </a:r>
@@ -3899,17 +3913,12 @@
             </a:r>
             <a:r>
               <a:rPr lang="en-IN" dirty="0" err="1"/>
-              <a:t>Phaphale</a:t>
+              <a:t>Phapale</a:t>
             </a:r>
             <a:r>
               <a:rPr lang="en-IN" dirty="0"/>
-              <a:t> </a:t>
-            </a:r>
-            <a:r>
-              <a:rPr lang="en-IN"/>
-              <a:t>(230943025041)</a:t>
-            </a:r>
-            <a:endParaRPr lang="en-IN" dirty="0"/>
+              <a:t> (230943025041)</a:t>
+            </a:r>
           </a:p>
           <a:p>
             <a:r>
@@ -3923,18 +3932,6 @@
             <a:r>
               <a:rPr lang="en-IN" dirty="0"/>
               <a:t> (230943025044)</a:t>
-            </a:r>
-          </a:p>
-          <a:p>
-            <a:r>
-              <a:rPr lang="en-IN" dirty="0"/>
-              <a:t>Pratik Reddy (230943025039)</a:t>
-            </a:r>
-          </a:p>
-          <a:p>
-            <a:r>
-              <a:rPr lang="en-IN" dirty="0"/>
-              <a:t>Aman Shrivastava (230943025005)</a:t>
             </a:r>
           </a:p>
         </p:txBody>
@@ -4044,6 +4041,297 @@
           <p:cNvPr id="2" name="TextBox 1">
             <a:extLst>
               <a:ext uri="{FF2B5EF4-FFF2-40B4-BE49-F238E27FC236}">
+                <a16:creationId xmlns:a16="http://schemas.microsoft.com/office/drawing/2014/main" id="{E33A3985-11B6-4181-B08F-14BD28637759}"/>
+              </a:ext>
+            </a:extLst>
+          </p:cNvPr>
+          <p:cNvSpPr txBox="1"/>
+          <p:nvPr/>
+        </p:nvSpPr>
+        <p:spPr>
+          <a:xfrm>
+            <a:off x="1941690" y="131166"/>
+            <a:ext cx="7360356" cy="646331"/>
+          </a:xfrm>
+          <a:prstGeom prst="rect">
+            <a:avLst/>
+          </a:prstGeom>
+          <a:noFill/>
+        </p:spPr>
+        <p:txBody>
+          <a:bodyPr wrap="square" rtlCol="0">
+            <a:spAutoFit/>
+          </a:bodyPr>
+          <a:lstStyle/>
+          <a:p>
+            <a:pPr algn="ctr"/>
+            <a:r>
+              <a:rPr lang="en-US" b="1" dirty="0"/>
+              <a:t>E-commerce Dashboard</a:t>
+            </a:r>
+          </a:p>
+          <a:p>
+            <a:endParaRPr lang="en-US" dirty="0"/>
+          </a:p>
+        </p:txBody>
+      </p:sp>
+      <p:pic>
+        <p:nvPicPr>
+          <p:cNvPr id="7" name="Picture 6">
+            <a:extLst>
+              <a:ext uri="{FF2B5EF4-FFF2-40B4-BE49-F238E27FC236}">
+                <a16:creationId xmlns:a16="http://schemas.microsoft.com/office/drawing/2014/main" id="{806651C5-8235-4DC8-9161-7AE0CC477C65}"/>
+              </a:ext>
+            </a:extLst>
+          </p:cNvPr>
+          <p:cNvPicPr>
+            <a:picLocks noChangeAspect="1"/>
+          </p:cNvPicPr>
+          <p:nvPr/>
+        </p:nvPicPr>
+        <p:blipFill>
+          <a:blip r:embed="rId2">
+            <a:extLst>
+              <a:ext uri="{28A0092B-C50C-407E-A947-70E740481C1C}">
+                <a14:useLocalDpi xmlns:a14="http://schemas.microsoft.com/office/drawing/2010/main" val="0"/>
+              </a:ext>
+            </a:extLst>
+          </a:blip>
+          <a:stretch>
+            <a:fillRect/>
+          </a:stretch>
+        </p:blipFill>
+        <p:spPr>
+          <a:xfrm>
+            <a:off x="1988507" y="742215"/>
+            <a:ext cx="7292590" cy="5834072"/>
+          </a:xfrm>
+          <a:prstGeom prst="rect">
+            <a:avLst/>
+          </a:prstGeom>
+        </p:spPr>
+      </p:pic>
+    </p:spTree>
+    <p:extLst>
+      <p:ext uri="{BB962C8B-B14F-4D97-AF65-F5344CB8AC3E}">
+        <p14:creationId xmlns:p14="http://schemas.microsoft.com/office/powerpoint/2010/main" val="2905840850"/>
+      </p:ext>
+    </p:extLst>
+  </p:cSld>
+  <p:clrMapOvr>
+    <a:masterClrMapping/>
+  </p:clrMapOvr>
+</p:sld>
+</file>
+
+<file path=ppt/slides/slide11.xml><?xml version="1.0" encoding="utf-8"?>
+<p:sld xmlns:a="http://schemas.openxmlformats.org/drawingml/2006/main" xmlns:r="http://schemas.openxmlformats.org/officeDocument/2006/relationships" xmlns:p="http://schemas.openxmlformats.org/presentationml/2006/main">
+  <p:cSld>
+    <p:spTree>
+      <p:nvGrpSpPr>
+        <p:cNvPr id="1" name=""/>
+        <p:cNvGrpSpPr/>
+        <p:nvPr/>
+      </p:nvGrpSpPr>
+      <p:grpSpPr>
+        <a:xfrm>
+          <a:off x="0" y="0"/>
+          <a:ext cx="0" cy="0"/>
+          <a:chOff x="0" y="0"/>
+          <a:chExt cx="0" cy="0"/>
+        </a:xfrm>
+      </p:grpSpPr>
+      <p:sp>
+        <p:nvSpPr>
+          <p:cNvPr id="60" name="TextBox 59">
+            <a:extLst>
+              <a:ext uri="{FF2B5EF4-FFF2-40B4-BE49-F238E27FC236}">
+                <a16:creationId xmlns:a16="http://schemas.microsoft.com/office/drawing/2014/main" id="{C8BB309C-E070-DDAF-940A-59C4395AF02C}"/>
+              </a:ext>
+            </a:extLst>
+          </p:cNvPr>
+          <p:cNvSpPr txBox="1"/>
+          <p:nvPr/>
+        </p:nvSpPr>
+        <p:spPr>
+          <a:xfrm>
+            <a:off x="725733" y="234782"/>
+            <a:ext cx="10523266" cy="523220"/>
+          </a:xfrm>
+          <a:prstGeom prst="rect">
+            <a:avLst/>
+          </a:prstGeom>
+          <a:noFill/>
+        </p:spPr>
+        <p:txBody>
+          <a:bodyPr wrap="square" rtlCol="0">
+            <a:spAutoFit/>
+          </a:bodyPr>
+          <a:lstStyle/>
+          <a:p>
+            <a:pPr marR="0" lvl="0" algn="ctr" defTabSz="914400" rtl="0" eaLnBrk="1" fontAlgn="auto" latinLnBrk="0" hangingPunct="1">
+              <a:lnSpc>
+                <a:spcPct val="100000"/>
+              </a:lnSpc>
+              <a:spcBef>
+                <a:spcPts val="0"/>
+              </a:spcBef>
+              <a:spcAft>
+                <a:spcPts val="0"/>
+              </a:spcAft>
+              <a:buClrTx/>
+              <a:buSzTx/>
+              <a:tabLst/>
+              <a:defRPr/>
+            </a:pPr>
+            <a:r>
+              <a:rPr kumimoji="0" lang="en-US" sz="2800" b="1" u="none" strike="noStrike" kern="1200" cap="none" spc="0" normalizeH="0" baseline="0" noProof="0" dirty="0">
+                <a:ln>
+                  <a:noFill/>
+                </a:ln>
+                <a:solidFill>
+                  <a:prstClr val="black"/>
+                </a:solidFill>
+                <a:uLnTx/>
+                <a:uFillTx/>
+                <a:latin typeface="Arial Black" panose="020B0A04020102020204" pitchFamily="34" charset="0"/>
+                <a:ea typeface="Open Sans" panose="020B0606030504020204" pitchFamily="34" charset="0"/>
+                <a:cs typeface="Open Sans" panose="020B0606030504020204" pitchFamily="34" charset="0"/>
+              </a:rPr>
+              <a:t>Future Scope</a:t>
+            </a:r>
+            <a:endParaRPr kumimoji="0" lang="en-IN" sz="2800" b="0" i="0" u="none" strike="noStrike" kern="1200" cap="none" spc="0" normalizeH="0" baseline="0" noProof="0" dirty="0">
+              <a:ln>
+                <a:noFill/>
+              </a:ln>
+              <a:solidFill>
+                <a:prstClr val="black"/>
+              </a:solidFill>
+              <a:effectLst/>
+              <a:uLnTx/>
+              <a:uFillTx/>
+              <a:latin typeface="Arial Black" panose="020B0A04020102020204" pitchFamily="34" charset="0"/>
+              <a:ea typeface="Open Sans" panose="020B0606030504020204" pitchFamily="34" charset="0"/>
+              <a:cs typeface="Open Sans" panose="020B0606030504020204" pitchFamily="34" charset="0"/>
+            </a:endParaRPr>
+          </a:p>
+        </p:txBody>
+      </p:sp>
+      <p:sp>
+        <p:nvSpPr>
+          <p:cNvPr id="61" name="TextBox 60">
+            <a:extLst>
+              <a:ext uri="{FF2B5EF4-FFF2-40B4-BE49-F238E27FC236}">
+                <a16:creationId xmlns:a16="http://schemas.microsoft.com/office/drawing/2014/main" id="{CC3B732A-3EC7-FF4B-8F8E-9E41CC448C09}"/>
+              </a:ext>
+            </a:extLst>
+          </p:cNvPr>
+          <p:cNvSpPr txBox="1"/>
+          <p:nvPr/>
+        </p:nvSpPr>
+        <p:spPr>
+          <a:xfrm>
+            <a:off x="1835435" y="893468"/>
+            <a:ext cx="8876146" cy="4708981"/>
+          </a:xfrm>
+          <a:prstGeom prst="rect">
+            <a:avLst/>
+          </a:prstGeom>
+          <a:noFill/>
+        </p:spPr>
+        <p:txBody>
+          <a:bodyPr wrap="square" rtlCol="0">
+            <a:spAutoFit/>
+          </a:bodyPr>
+          <a:lstStyle/>
+          <a:p>
+            <a:r>
+              <a:rPr lang="en-US" sz="2000" dirty="0"/>
+              <a:t>The current project lays a strong foundation for real-time e-commerce analytics, but there's always room for growth. Here are some exciting possibilities for future advancements:</a:t>
+            </a:r>
+            <a:endParaRPr lang="en-US" sz="2000" b="1" dirty="0"/>
+          </a:p>
+          <a:p>
+            <a:pPr marL="342900" indent="-342900">
+              <a:buFont typeface="Arial" panose="020B0604020202020204" pitchFamily="34" charset="0"/>
+              <a:buChar char="•"/>
+            </a:pPr>
+            <a:r>
+              <a:rPr lang="en-US" sz="2000" b="1" dirty="0">
+                <a:sym typeface="Wingdings" panose="05000000000000000000" pitchFamily="2" charset="2"/>
+              </a:rPr>
+              <a:t>Auto-Refresh Functionality:</a:t>
+            </a:r>
+            <a:endParaRPr lang="en-US" sz="2000" b="1" dirty="0"/>
+          </a:p>
+          <a:p>
+            <a:r>
+              <a:rPr lang="en-US" sz="2000" b="1" dirty="0"/>
+              <a:t>	</a:t>
+            </a:r>
+            <a:r>
+              <a:rPr lang="en-US" sz="2000" dirty="0"/>
+              <a:t>Currently, the dashboard in the Real-time E-commerce Analytics 	Dashboard refreshes every 5 minutes  to update the displayed insights. 	However, in our future scope, we aim to implement an auto-refresh 	functionality  every 10 seconds to ensure that the dashboard reflects the  	most recent data in real-time without any manual intervention.</a:t>
+            </a:r>
+          </a:p>
+          <a:p>
+            <a:pPr marL="342900" indent="-342900">
+              <a:buFont typeface="Arial" panose="020B0604020202020204" pitchFamily="34" charset="0"/>
+              <a:buChar char="•"/>
+            </a:pPr>
+            <a:r>
+              <a:rPr lang="en-US" sz="2000" b="1" dirty="0"/>
+              <a:t>Customer Segmentation:</a:t>
+            </a:r>
+            <a:r>
+              <a:rPr lang="en-US" sz="2000" dirty="0"/>
+              <a:t> </a:t>
+            </a:r>
+          </a:p>
+          <a:p>
+            <a:pPr algn="just"/>
+            <a:r>
+              <a:rPr lang="en-US" sz="2000" dirty="0"/>
+              <a:t>	it involves dividing a customer base into groups that share similar 	characteristics, behaviors, or preferences. By analyzing customer segments, 	businesses can tailor their marketing strategies, product offerings, and 	customer experiences to better meet the needs of specific groups, 	ultimately improving customer satisfaction and increasing sales.</a:t>
+            </a:r>
+          </a:p>
+        </p:txBody>
+      </p:sp>
+    </p:spTree>
+    <p:extLst>
+      <p:ext uri="{BB962C8B-B14F-4D97-AF65-F5344CB8AC3E}">
+        <p14:creationId xmlns:p14="http://schemas.microsoft.com/office/powerpoint/2010/main" val="2599182483"/>
+      </p:ext>
+    </p:extLst>
+  </p:cSld>
+  <p:clrMapOvr>
+    <a:masterClrMapping/>
+  </p:clrMapOvr>
+</p:sld>
+</file>
+
+<file path=ppt/slides/slide12.xml><?xml version="1.0" encoding="utf-8"?>
+<p:sld xmlns:a="http://schemas.openxmlformats.org/drawingml/2006/main" xmlns:r="http://schemas.openxmlformats.org/officeDocument/2006/relationships" xmlns:p="http://schemas.openxmlformats.org/presentationml/2006/main">
+  <p:cSld>
+    <p:spTree>
+      <p:nvGrpSpPr>
+        <p:cNvPr id="1" name=""/>
+        <p:cNvGrpSpPr/>
+        <p:nvPr/>
+      </p:nvGrpSpPr>
+      <p:grpSpPr>
+        <a:xfrm>
+          <a:off x="0" y="0"/>
+          <a:ext cx="0" cy="0"/>
+          <a:chOff x="0" y="0"/>
+          <a:chExt cx="0" cy="0"/>
+        </a:xfrm>
+      </p:grpSpPr>
+      <p:sp>
+        <p:nvSpPr>
+          <p:cNvPr id="2" name="TextBox 1">
+            <a:extLst>
+              <a:ext uri="{FF2B5EF4-FFF2-40B4-BE49-F238E27FC236}">
                 <a16:creationId xmlns:a16="http://schemas.microsoft.com/office/drawing/2014/main" id="{8255CE22-6D81-97FC-D4F1-A7D9E1573F64}"/>
               </a:ext>
             </a:extLst>
@@ -4095,7 +4383,7 @@
         <p:spPr>
           <a:xfrm>
             <a:off x="1551709" y="1671782"/>
-            <a:ext cx="9217891" cy="2246769"/>
+            <a:ext cx="9217891" cy="1631216"/>
           </a:xfrm>
           <a:prstGeom prst="rect">
             <a:avLst/>
@@ -4110,18 +4398,9 @@
           <a:p>
             <a:r>
               <a:rPr lang="en-US" sz="2000" dirty="0"/>
-              <a:t>This project delivers a real-time E-commerce Analytics Dashboard fueled by a powerful tech stack. By transforming data streams into actionable insights, it empowers businesses to make informed decisions, optimize marketing and product offerings, and ultimately achieve success in the dynamic e-commerce landscape. It's not just visualization, it's a strategic weapon for thriving in the digital marketplace.</a:t>
+              <a:t>This project delivers a real-time E-commerce Analytics Dashboard with strong technology. It turns data into useful information that helps businesses make smart choices, improve marketing and products, and succeed in the online shopping world. It's more than just showing data – it's a powerful tool for doing well in the digital marketplace.</a:t>
             </a:r>
             <a:endParaRPr lang="en-IN" sz="2000" dirty="0"/>
-          </a:p>
-          <a:p>
-            <a:endParaRPr lang="en-IN" sz="2000" dirty="0"/>
-          </a:p>
-          <a:p>
-            <a:r>
-              <a:rPr lang="en-IN" sz="2000" dirty="0"/>
-              <a:t> </a:t>
-            </a:r>
           </a:p>
         </p:txBody>
       </p:sp>
@@ -4138,7 +4417,7 @@
 </p:sld>
 </file>
 
-<file path=ppt/slides/slide11.xml><?xml version="1.0" encoding="utf-8"?>
+<file path=ppt/slides/slide13.xml><?xml version="1.0" encoding="utf-8"?>
 <p:sld xmlns:a="http://schemas.openxmlformats.org/drawingml/2006/main" xmlns:r="http://schemas.openxmlformats.org/officeDocument/2006/relationships" xmlns:p="http://schemas.openxmlformats.org/presentationml/2006/main">
   <p:cSld>
     <p:spTree>
@@ -6426,7 +6705,7 @@
         <p:spPr>
           <a:xfrm>
             <a:off x="456487" y="2470528"/>
-            <a:ext cx="9686720" cy="1569660"/>
+            <a:ext cx="9686720" cy="1323439"/>
           </a:xfrm>
           <a:prstGeom prst="rect">
             <a:avLst/>
@@ -6443,10 +6722,10 @@
               <a:defRPr/>
             </a:pPr>
             <a:r>
-              <a:rPr lang="en-US" sz="2400" dirty="0"/>
-              <a:t>In today's hypercompetitive e-commerce landscape, businesses face the constant challenge of deciphering vast amounts of data to make informed decisions swiftly. The ability to extract actionable insights in real-time has become imperative for staying ahead in this dynamic environment.</a:t>
-            </a:r>
-            <a:endParaRPr kumimoji="0" lang="en-US" sz="2400" b="1" i="0" u="none" strike="noStrike" kern="1200" cap="none" spc="0" normalizeH="0" baseline="0" noProof="0" dirty="0">
+              <a:rPr lang="en-US" sz="2000" dirty="0"/>
+              <a:t>In today's super competitive online shopping world, businesses have a big challenge: they need to understand lots of data quickly to make smart choices fast. Being able to figure out useful information in real-time is really important to stay ahead in this fast-changing environment.</a:t>
+            </a:r>
+            <a:endParaRPr kumimoji="0" lang="en-US" sz="2000" b="1" i="0" u="none" strike="noStrike" kern="1200" cap="none" spc="0" normalizeH="0" baseline="0" noProof="0" dirty="0">
               <a:ln>
                 <a:noFill/>
               </a:ln>
@@ -6547,7 +6826,7 @@
         <p:spPr>
           <a:xfrm>
             <a:off x="4489680" y="1480828"/>
-            <a:ext cx="6306957" cy="3170099"/>
+            <a:ext cx="6306957" cy="2862322"/>
           </a:xfrm>
           <a:prstGeom prst="rect">
             <a:avLst/>
@@ -6561,22 +6840,8 @@
           <a:lstStyle/>
           <a:p>
             <a:r>
-              <a:rPr lang="en-IN" sz="2000" dirty="0">
-                <a:solidFill>
-                  <a:schemeClr val="tx1">
-                    <a:lumMod val="95000"/>
-                    <a:lumOff val="5000"/>
-                  </a:schemeClr>
-                </a:solidFill>
-                <a:latin typeface="Open Sans" panose="020B0606030504020204" pitchFamily="34" charset="0"/>
-                <a:ea typeface="Open Sans" panose="020B0606030504020204" pitchFamily="34" charset="0"/>
-                <a:cs typeface="Open Sans" panose="020B0606030504020204" pitchFamily="34" charset="0"/>
-              </a:rPr>
-              <a:t>In this project we have tried to solve the </a:t>
-            </a:r>
-            <a:r>
               <a:rPr lang="en-US" sz="2000" dirty="0"/>
-              <a:t>challenges in extracting actionable insights from the deluge of real-time data generated by online transactions. Traditional analytics approaches often struggle to keep pace with the volume, velocity, and variety of data streams, leading to delays in decision-making and missed opportunities for growth. there is a pressing need for a robust E-commerce Analytics Dashboard that integrates advanced technologies to ingest, process, analyze, and visualize real-time data streams effectively.</a:t>
+              <a:t>In this project, we've worked on solving the problem of getting useful information from the huge amount of real-time data created by online transactions. Regular ways of analyzing data often can't keep up with how much data there is and how fast it's coming in. This causes delays in making decisions and missing chances to grow. We really need a strong E-commerce Analytics Dashboard that uses advanced technology to handle, understand, and show real-time data well.</a:t>
             </a:r>
             <a:endParaRPr lang="en-IN" sz="2000" dirty="0">
               <a:solidFill>
@@ -6664,10 +6929,10 @@
       </p:grpSpPr>
       <p:sp>
         <p:nvSpPr>
-          <p:cNvPr id="3" name="TextBox 2">
-            <a:extLst>
-              <a:ext uri="{FF2B5EF4-FFF2-40B4-BE49-F238E27FC236}">
-                <a16:creationId xmlns:a16="http://schemas.microsoft.com/office/drawing/2014/main" id="{6549B86D-5335-A760-00D7-4692B87B4E9A}"/>
+          <p:cNvPr id="2" name="TextBox 1">
+            <a:extLst>
+              <a:ext uri="{FF2B5EF4-FFF2-40B4-BE49-F238E27FC236}">
+                <a16:creationId xmlns:a16="http://schemas.microsoft.com/office/drawing/2014/main" id="{CAB529D4-8243-49C3-BDF0-2D240E42F6AC}"/>
               </a:ext>
             </a:extLst>
           </p:cNvPr>
@@ -6676,8 +6941,8 @@
         </p:nvSpPr>
         <p:spPr>
           <a:xfrm>
-            <a:off x="4412895" y="184745"/>
-            <a:ext cx="2771197" cy="584775"/>
+            <a:off x="546333" y="1053800"/>
+            <a:ext cx="4238119" cy="707886"/>
           </a:xfrm>
           <a:prstGeom prst="rect">
             <a:avLst/>
@@ -6690,1146 +6955,116 @@
           </a:bodyPr>
           <a:lstStyle/>
           <a:p>
-            <a:pPr marL="0" marR="0" lvl="0" indent="0" algn="ctr" defTabSz="914400" rtl="0" eaLnBrk="1" fontAlgn="auto" latinLnBrk="0" hangingPunct="1">
-              <a:lnSpc>
-                <a:spcPct val="100000"/>
-              </a:lnSpc>
-              <a:spcBef>
-                <a:spcPts val="0"/>
-              </a:spcBef>
-              <a:spcAft>
-                <a:spcPts val="0"/>
-              </a:spcAft>
-              <a:buClrTx/>
-              <a:buSzTx/>
-              <a:buFontTx/>
-              <a:buNone/>
-              <a:tabLst/>
-              <a:defRPr/>
-            </a:pPr>
-            <a:r>
-              <a:rPr kumimoji="0" lang="en-US" sz="3200" b="1" i="0" u="none" strike="noStrike" kern="1200" cap="none" spc="0" normalizeH="0" baseline="0" noProof="0" dirty="0">
-                <a:ln>
-                  <a:noFill/>
-                </a:ln>
-                <a:effectLst/>
-                <a:uLnTx/>
-                <a:uFillTx/>
+            <a:r>
+              <a:rPr lang="en-IN" sz="4000" b="1" dirty="0">
+                <a:solidFill>
+                  <a:schemeClr val="tx1">
+                    <a:lumMod val="95000"/>
+                    <a:lumOff val="5000"/>
+                  </a:schemeClr>
+                </a:solidFill>
                 <a:latin typeface="Open Sans" panose="020B0606030504020204" pitchFamily="34" charset="0"/>
                 <a:ea typeface="Open Sans" panose="020B0606030504020204" pitchFamily="34" charset="0"/>
                 <a:cs typeface="Open Sans" panose="020B0606030504020204" pitchFamily="34" charset="0"/>
               </a:rPr>
-              <a:t>Architecture</a:t>
+              <a:t>Objective</a:t>
             </a:r>
           </a:p>
         </p:txBody>
       </p:sp>
       <p:sp>
         <p:nvSpPr>
-          <p:cNvPr id="39" name="Rectangle: Rounded Corners 38">
-            <a:extLst>
-              <a:ext uri="{FF2B5EF4-FFF2-40B4-BE49-F238E27FC236}">
-                <a16:creationId xmlns:a16="http://schemas.microsoft.com/office/drawing/2014/main" id="{3C4231A9-770C-B594-7644-4FFD1C857D16}"/>
-              </a:ext>
-            </a:extLst>
-          </p:cNvPr>
-          <p:cNvSpPr/>
+          <p:cNvPr id="3" name="TextBox 2">
+            <a:extLst>
+              <a:ext uri="{FF2B5EF4-FFF2-40B4-BE49-F238E27FC236}">
+                <a16:creationId xmlns:a16="http://schemas.microsoft.com/office/drawing/2014/main" id="{284A88BB-54E7-41E3-8222-2B8EBEC085CB}"/>
+              </a:ext>
+            </a:extLst>
+          </p:cNvPr>
+          <p:cNvSpPr txBox="1"/>
           <p:nvPr/>
         </p:nvSpPr>
         <p:spPr>
           <a:xfrm>
-            <a:off x="601833" y="1025991"/>
-            <a:ext cx="1980000" cy="1479634"/>
-          </a:xfrm>
-          <a:prstGeom prst="roundRect">
-            <a:avLst/>
-          </a:prstGeom>
-          <a:solidFill>
-            <a:schemeClr val="bg1">
-              <a:lumMod val="95000"/>
-            </a:schemeClr>
-          </a:solidFill>
-        </p:spPr>
-        <p:style>
-          <a:lnRef idx="2">
-            <a:schemeClr val="accent1">
-              <a:shade val="15000"/>
-            </a:schemeClr>
-          </a:lnRef>
-          <a:fillRef idx="1">
-            <a:schemeClr val="accent1"/>
-          </a:fillRef>
-          <a:effectRef idx="0">
-            <a:schemeClr val="accent1"/>
-          </a:effectRef>
-          <a:fontRef idx="minor">
-            <a:schemeClr val="lt1"/>
-          </a:fontRef>
-        </p:style>
-        <p:txBody>
-          <a:bodyPr rtlCol="0" anchor="t"/>
-          <a:lstStyle/>
-          <a:p>
-            <a:r>
-              <a:rPr lang="en-IN" dirty="0">
-                <a:solidFill>
-                  <a:schemeClr val="tx1"/>
-                </a:solidFill>
-              </a:rPr>
-              <a:t>         </a:t>
-            </a:r>
-          </a:p>
-          <a:p>
-            <a:endParaRPr lang="en-IN" dirty="0">
-              <a:solidFill>
-                <a:schemeClr val="tx1"/>
-              </a:solidFill>
-            </a:endParaRPr>
-          </a:p>
-          <a:p>
-            <a:r>
-              <a:rPr lang="en-IN" b="1" dirty="0">
-                <a:solidFill>
-                  <a:schemeClr val="tx1"/>
-                </a:solidFill>
-              </a:rPr>
-              <a:t>     Python Faker</a:t>
-            </a:r>
-          </a:p>
-          <a:p>
-            <a:r>
-              <a:rPr lang="en-IN" sz="1400" dirty="0">
-                <a:solidFill>
-                  <a:schemeClr val="tx1"/>
-                </a:solidFill>
-              </a:rPr>
-              <a:t> Generating Simulated Data Using Python</a:t>
-            </a:r>
-          </a:p>
-        </p:txBody>
-      </p:sp>
-      <p:sp>
-        <p:nvSpPr>
-          <p:cNvPr id="40" name="Rectangle: Rounded Corners 39">
-            <a:extLst>
-              <a:ext uri="{FF2B5EF4-FFF2-40B4-BE49-F238E27FC236}">
-                <a16:creationId xmlns:a16="http://schemas.microsoft.com/office/drawing/2014/main" id="{2EAA1AEB-D6F7-5E0E-9E07-867233DABF9D}"/>
-              </a:ext>
-            </a:extLst>
-          </p:cNvPr>
-          <p:cNvSpPr/>
-          <p:nvPr/>
-        </p:nvSpPr>
-        <p:spPr>
-          <a:xfrm>
-            <a:off x="9576683" y="3370538"/>
-            <a:ext cx="1980000" cy="1475154"/>
-          </a:xfrm>
-          <a:prstGeom prst="roundRect">
-            <a:avLst/>
-          </a:prstGeom>
-          <a:solidFill>
-            <a:schemeClr val="bg1">
-              <a:lumMod val="95000"/>
-            </a:schemeClr>
-          </a:solidFill>
-        </p:spPr>
-        <p:style>
-          <a:lnRef idx="2">
-            <a:schemeClr val="accent1">
-              <a:shade val="15000"/>
-            </a:schemeClr>
-          </a:lnRef>
-          <a:fillRef idx="1">
-            <a:schemeClr val="accent1"/>
-          </a:fillRef>
-          <a:effectRef idx="0">
-            <a:schemeClr val="accent1"/>
-          </a:effectRef>
-          <a:fontRef idx="minor">
-            <a:schemeClr val="lt1"/>
-          </a:fontRef>
-        </p:style>
-        <p:txBody>
-          <a:bodyPr rtlCol="0" anchor="t"/>
-          <a:lstStyle/>
-          <a:p>
-            <a:pPr algn="ctr"/>
-            <a:endParaRPr lang="en-IN" dirty="0"/>
-          </a:p>
-          <a:p>
-            <a:endParaRPr lang="en-IN" dirty="0"/>
-          </a:p>
-          <a:p>
-            <a:r>
-              <a:rPr lang="en-IN" dirty="0">
-                <a:solidFill>
-                  <a:schemeClr val="tx1"/>
-                </a:solidFill>
-              </a:rPr>
-              <a:t>      MongoDB</a:t>
-            </a:r>
-          </a:p>
-          <a:p>
-            <a:pPr algn="ctr"/>
-            <a:r>
-              <a:rPr lang="en-IN" sz="1400" dirty="0">
-                <a:solidFill>
-                  <a:schemeClr val="tx1"/>
-                </a:solidFill>
-              </a:rPr>
-              <a:t>Storing Data in MongoDB</a:t>
-            </a:r>
-          </a:p>
-          <a:p>
-            <a:endParaRPr lang="en-IN" dirty="0"/>
-          </a:p>
-        </p:txBody>
-      </p:sp>
-      <p:sp>
-        <p:nvSpPr>
-          <p:cNvPr id="43" name="Arrow: Right 42">
-            <a:extLst>
-              <a:ext uri="{FF2B5EF4-FFF2-40B4-BE49-F238E27FC236}">
-                <a16:creationId xmlns:a16="http://schemas.microsoft.com/office/drawing/2014/main" id="{504AED58-13AA-A3A3-DFD5-CD73E141E1A8}"/>
-              </a:ext>
-            </a:extLst>
-          </p:cNvPr>
-          <p:cNvSpPr/>
-          <p:nvPr/>
-        </p:nvSpPr>
-        <p:spPr>
-          <a:xfrm rot="5400000">
-            <a:off x="1052912" y="2832838"/>
-            <a:ext cx="887506" cy="233080"/>
-          </a:xfrm>
-          <a:prstGeom prst="rightArrow">
-            <a:avLst/>
-          </a:prstGeom>
-          <a:solidFill>
-            <a:schemeClr val="accent1"/>
-          </a:solidFill>
-        </p:spPr>
-        <p:style>
-          <a:lnRef idx="2">
-            <a:schemeClr val="accent1">
-              <a:shade val="15000"/>
-            </a:schemeClr>
-          </a:lnRef>
-          <a:fillRef idx="1">
-            <a:schemeClr val="accent1"/>
-          </a:fillRef>
-          <a:effectRef idx="0">
-            <a:schemeClr val="accent1"/>
-          </a:effectRef>
-          <a:fontRef idx="minor">
-            <a:schemeClr val="lt1"/>
-          </a:fontRef>
-        </p:style>
-        <p:txBody>
-          <a:bodyPr rtlCol="0" anchor="ctr"/>
-          <a:lstStyle/>
-          <a:p>
-            <a:pPr algn="ctr"/>
-            <a:endParaRPr lang="en-IN"/>
-          </a:p>
-        </p:txBody>
-      </p:sp>
-      <p:sp>
-        <p:nvSpPr>
-          <p:cNvPr id="45" name="Arrow: Right 44">
-            <a:extLst>
-              <a:ext uri="{FF2B5EF4-FFF2-40B4-BE49-F238E27FC236}">
-                <a16:creationId xmlns:a16="http://schemas.microsoft.com/office/drawing/2014/main" id="{D13E6225-B3C3-2C11-7C00-E00369EDC393}"/>
-              </a:ext>
-            </a:extLst>
-          </p:cNvPr>
-          <p:cNvSpPr/>
-          <p:nvPr/>
-        </p:nvSpPr>
-        <p:spPr>
-          <a:xfrm>
-            <a:off x="8374742" y="3997749"/>
-            <a:ext cx="1185353" cy="256914"/>
-          </a:xfrm>
-          <a:prstGeom prst="rightArrow">
-            <a:avLst/>
-          </a:prstGeom>
-          <a:solidFill>
-            <a:schemeClr val="accent1"/>
-          </a:solidFill>
-        </p:spPr>
-        <p:style>
-          <a:lnRef idx="2">
-            <a:schemeClr val="accent1">
-              <a:shade val="15000"/>
-            </a:schemeClr>
-          </a:lnRef>
-          <a:fillRef idx="1">
-            <a:schemeClr val="accent1"/>
-          </a:fillRef>
-          <a:effectRef idx="0">
-            <a:schemeClr val="accent1"/>
-          </a:effectRef>
-          <a:fontRef idx="minor">
-            <a:schemeClr val="lt1"/>
-          </a:fontRef>
-        </p:style>
-        <p:txBody>
-          <a:bodyPr rtlCol="0" anchor="ctr"/>
-          <a:lstStyle/>
-          <a:p>
-            <a:pPr algn="ctr"/>
-            <a:endParaRPr lang="en-IN"/>
-          </a:p>
-        </p:txBody>
-      </p:sp>
-      <p:pic>
-        <p:nvPicPr>
-          <p:cNvPr id="46" name="Picture 45">
-            <a:extLst>
-              <a:ext uri="{FF2B5EF4-FFF2-40B4-BE49-F238E27FC236}">
-                <a16:creationId xmlns:a16="http://schemas.microsoft.com/office/drawing/2014/main" id="{C1CC1891-7BCF-B88C-49F9-7037292A2109}"/>
-              </a:ext>
-            </a:extLst>
-          </p:cNvPr>
-          <p:cNvPicPr>
-            <a:picLocks noChangeAspect="1"/>
-          </p:cNvPicPr>
-          <p:nvPr/>
-        </p:nvPicPr>
-        <p:blipFill>
-          <a:blip r:embed="rId2">
-            <a:extLst>
-              <a:ext uri="{28A0092B-C50C-407E-A947-70E740481C1C}">
-                <a14:useLocalDpi xmlns:a14="http://schemas.microsoft.com/office/drawing/2010/main" val="0"/>
-              </a:ext>
-            </a:extLst>
-          </a:blip>
-          <a:stretch>
-            <a:fillRect/>
-          </a:stretch>
-        </p:blipFill>
-        <p:spPr>
-          <a:xfrm>
-            <a:off x="1200391" y="1111429"/>
-            <a:ext cx="592550" cy="592550"/>
+            <a:off x="476563" y="1875939"/>
+            <a:ext cx="10424104" cy="2831544"/>
           </a:xfrm>
           <a:prstGeom prst="rect">
             <a:avLst/>
           </a:prstGeom>
+          <a:noFill/>
         </p:spPr>
-      </p:pic>
-      <p:pic>
-        <p:nvPicPr>
-          <p:cNvPr id="47" name="Picture 46">
-            <a:extLst>
-              <a:ext uri="{FF2B5EF4-FFF2-40B4-BE49-F238E27FC236}">
-                <a16:creationId xmlns:a16="http://schemas.microsoft.com/office/drawing/2014/main" id="{04041359-5295-2CF9-632F-5828D1F2CBD1}"/>
-              </a:ext>
-            </a:extLst>
-          </p:cNvPr>
-          <p:cNvPicPr>
-            <a:picLocks noChangeAspect="1"/>
-          </p:cNvPicPr>
-          <p:nvPr/>
-        </p:nvPicPr>
-        <p:blipFill>
-          <a:blip r:embed="rId3">
-            <a:extLst>
-              <a:ext uri="{28A0092B-C50C-407E-A947-70E740481C1C}">
-                <a14:useLocalDpi xmlns:a14="http://schemas.microsoft.com/office/drawing/2010/main" val="0"/>
-              </a:ext>
-            </a:extLst>
-          </a:blip>
-          <a:stretch>
-            <a:fillRect/>
-          </a:stretch>
-        </p:blipFill>
-        <p:spPr>
-          <a:xfrm>
-            <a:off x="10170379" y="3385981"/>
-            <a:ext cx="623487" cy="587373"/>
-          </a:xfrm>
-          <a:prstGeom prst="rect">
-            <a:avLst/>
-          </a:prstGeom>
-        </p:spPr>
-      </p:pic>
-      <p:sp>
-        <p:nvSpPr>
-          <p:cNvPr id="49" name="Rectangle: Rounded Corners 48">
-            <a:extLst>
-              <a:ext uri="{FF2B5EF4-FFF2-40B4-BE49-F238E27FC236}">
-                <a16:creationId xmlns:a16="http://schemas.microsoft.com/office/drawing/2014/main" id="{F2CD3401-F8AF-4871-56F6-ACB969DFA798}"/>
-              </a:ext>
-            </a:extLst>
-          </p:cNvPr>
-          <p:cNvSpPr/>
-          <p:nvPr/>
-        </p:nvSpPr>
-        <p:spPr>
-          <a:xfrm>
-            <a:off x="581479" y="3393131"/>
-            <a:ext cx="1980000" cy="1475154"/>
-          </a:xfrm>
-          <a:prstGeom prst="roundRect">
-            <a:avLst/>
-          </a:prstGeom>
-          <a:solidFill>
-            <a:schemeClr val="bg1">
-              <a:lumMod val="95000"/>
-            </a:schemeClr>
-          </a:solidFill>
-        </p:spPr>
-        <p:style>
-          <a:lnRef idx="2">
-            <a:schemeClr val="accent1">
-              <a:shade val="15000"/>
-            </a:schemeClr>
-          </a:lnRef>
-          <a:fillRef idx="1">
-            <a:schemeClr val="accent1"/>
-          </a:fillRef>
-          <a:effectRef idx="0">
-            <a:schemeClr val="accent1"/>
-          </a:effectRef>
-          <a:fontRef idx="minor">
-            <a:schemeClr val="lt1"/>
-          </a:fontRef>
-        </p:style>
         <p:txBody>
-          <a:bodyPr rtlCol="0" anchor="t"/>
+          <a:bodyPr wrap="square" rtlCol="0">
+            <a:spAutoFit/>
+          </a:bodyPr>
           <a:lstStyle/>
           <a:p>
-            <a:pPr algn="ctr"/>
-            <a:endParaRPr lang="en-IN" dirty="0"/>
-          </a:p>
-          <a:p>
-            <a:endParaRPr lang="en-IN" dirty="0"/>
-          </a:p>
-          <a:p>
-            <a:r>
-              <a:rPr lang="en-IN" b="1" dirty="0">
-                <a:solidFill>
-                  <a:schemeClr val="tx1"/>
-                </a:solidFill>
-              </a:rPr>
-              <a:t>          Kafka</a:t>
-            </a:r>
-          </a:p>
-          <a:p>
-            <a:r>
-              <a:rPr lang="en-IN" sz="1400" dirty="0">
-                <a:solidFill>
-                  <a:schemeClr val="tx1"/>
-                </a:solidFill>
-              </a:rPr>
-              <a:t>Generate Real-Time Event</a:t>
-            </a:r>
-          </a:p>
-          <a:p>
-            <a:endParaRPr lang="en-IN" dirty="0"/>
-          </a:p>
-        </p:txBody>
-      </p:sp>
-      <p:sp>
-        <p:nvSpPr>
-          <p:cNvPr id="51" name="Arrow: Right 50">
-            <a:extLst>
-              <a:ext uri="{FF2B5EF4-FFF2-40B4-BE49-F238E27FC236}">
-                <a16:creationId xmlns:a16="http://schemas.microsoft.com/office/drawing/2014/main" id="{D1547F67-AB6D-DA94-C456-7B5BBDDEFE79}"/>
-              </a:ext>
-            </a:extLst>
-          </p:cNvPr>
-          <p:cNvSpPr/>
-          <p:nvPr/>
-        </p:nvSpPr>
-        <p:spPr>
-          <a:xfrm rot="16200000">
-            <a:off x="10033914" y="2788290"/>
-            <a:ext cx="896471" cy="233999"/>
-          </a:xfrm>
-          <a:prstGeom prst="rightArrow">
-            <a:avLst/>
-          </a:prstGeom>
-          <a:solidFill>
-            <a:schemeClr val="accent1"/>
-          </a:solidFill>
-        </p:spPr>
-        <p:style>
-          <a:lnRef idx="2">
-            <a:schemeClr val="accent1">
-              <a:shade val="15000"/>
-            </a:schemeClr>
-          </a:lnRef>
-          <a:fillRef idx="1">
-            <a:schemeClr val="accent1"/>
-          </a:fillRef>
-          <a:effectRef idx="0">
-            <a:schemeClr val="accent1"/>
-          </a:effectRef>
-          <a:fontRef idx="minor">
-            <a:schemeClr val="lt1"/>
-          </a:fontRef>
-        </p:style>
-        <p:txBody>
-          <a:bodyPr rtlCol="0" anchor="ctr"/>
-          <a:lstStyle/>
-          <a:p>
-            <a:pPr algn="ctr"/>
-            <a:endParaRPr lang="en-IN"/>
-          </a:p>
-        </p:txBody>
-      </p:sp>
-      <p:pic>
-        <p:nvPicPr>
-          <p:cNvPr id="52" name="Picture 51">
-            <a:extLst>
-              <a:ext uri="{FF2B5EF4-FFF2-40B4-BE49-F238E27FC236}">
-                <a16:creationId xmlns:a16="http://schemas.microsoft.com/office/drawing/2014/main" id="{79157152-DF8E-594A-9A95-BC09B338DED7}"/>
-              </a:ext>
-            </a:extLst>
-          </p:cNvPr>
-          <p:cNvPicPr>
-            <a:picLocks noChangeAspect="1"/>
-          </p:cNvPicPr>
-          <p:nvPr/>
-        </p:nvPicPr>
-        <p:blipFill>
-          <a:blip r:embed="rId4">
-            <a:extLst>
-              <a:ext uri="{28A0092B-C50C-407E-A947-70E740481C1C}">
-                <a14:useLocalDpi xmlns:a14="http://schemas.microsoft.com/office/drawing/2010/main" val="0"/>
-              </a:ext>
-            </a:extLst>
-          </a:blip>
-          <a:stretch>
-            <a:fillRect/>
-          </a:stretch>
-        </p:blipFill>
-        <p:spPr>
-          <a:xfrm>
-            <a:off x="982983" y="3393131"/>
-            <a:ext cx="1027363" cy="540024"/>
-          </a:xfrm>
-          <a:prstGeom prst="rect">
-            <a:avLst/>
-          </a:prstGeom>
-        </p:spPr>
-      </p:pic>
-      <p:sp>
-        <p:nvSpPr>
-          <p:cNvPr id="53" name="Rectangle: Rounded Corners 52">
-            <a:extLst>
-              <a:ext uri="{FF2B5EF4-FFF2-40B4-BE49-F238E27FC236}">
-                <a16:creationId xmlns:a16="http://schemas.microsoft.com/office/drawing/2014/main" id="{4A1D554D-1716-97AB-629F-974627499E2F}"/>
-              </a:ext>
-            </a:extLst>
-          </p:cNvPr>
-          <p:cNvSpPr/>
-          <p:nvPr/>
-        </p:nvSpPr>
-        <p:spPr>
-          <a:xfrm>
-            <a:off x="9560096" y="966457"/>
-            <a:ext cx="1980000" cy="1475154"/>
-          </a:xfrm>
-          <a:prstGeom prst="roundRect">
-            <a:avLst/>
-          </a:prstGeom>
-          <a:solidFill>
-            <a:schemeClr val="bg1">
-              <a:lumMod val="95000"/>
-            </a:schemeClr>
-          </a:solidFill>
-        </p:spPr>
-        <p:style>
-          <a:lnRef idx="2">
-            <a:schemeClr val="accent1">
-              <a:shade val="15000"/>
-            </a:schemeClr>
-          </a:lnRef>
-          <a:fillRef idx="1">
-            <a:schemeClr val="accent1"/>
-          </a:fillRef>
-          <a:effectRef idx="0">
-            <a:schemeClr val="accent1"/>
-          </a:effectRef>
-          <a:fontRef idx="minor">
-            <a:schemeClr val="lt1"/>
-          </a:fontRef>
-        </p:style>
-        <p:txBody>
-          <a:bodyPr rtlCol="0" anchor="t"/>
-          <a:lstStyle/>
-          <a:p>
-            <a:pPr algn="ctr"/>
-            <a:endParaRPr lang="en-IN" dirty="0">
-              <a:solidFill>
-                <a:schemeClr val="tx1"/>
-              </a:solidFill>
-            </a:endParaRPr>
-          </a:p>
-          <a:p>
-            <a:pPr algn="ctr"/>
-            <a:r>
-              <a:rPr lang="en-IN" dirty="0">
-                <a:solidFill>
-                  <a:schemeClr val="tx1"/>
-                </a:solidFill>
-              </a:rPr>
-              <a:t>Tableau</a:t>
-            </a:r>
-          </a:p>
-          <a:p>
-            <a:r>
-              <a:rPr lang="en-IN" sz="1400" dirty="0">
-                <a:solidFill>
-                  <a:schemeClr val="tx1"/>
-                </a:solidFill>
-              </a:rPr>
-              <a:t>Visualise Data in Graphical Manner to get trends and Pattern  </a:t>
-            </a:r>
-          </a:p>
-          <a:p>
-            <a:endParaRPr lang="en-IN" dirty="0">
-              <a:solidFill>
-                <a:schemeClr val="tx1"/>
-              </a:solidFill>
-            </a:endParaRPr>
-          </a:p>
-        </p:txBody>
-      </p:sp>
-      <p:pic>
-        <p:nvPicPr>
-          <p:cNvPr id="54" name="Picture 53">
-            <a:extLst>
-              <a:ext uri="{FF2B5EF4-FFF2-40B4-BE49-F238E27FC236}">
-                <a16:creationId xmlns:a16="http://schemas.microsoft.com/office/drawing/2014/main" id="{2534F05D-8625-A03C-4205-30DAD18FCEA0}"/>
-              </a:ext>
-            </a:extLst>
-          </p:cNvPr>
-          <p:cNvPicPr>
-            <a:picLocks noChangeAspect="1"/>
-          </p:cNvPicPr>
-          <p:nvPr/>
-        </p:nvPicPr>
-        <p:blipFill>
-          <a:blip r:embed="rId5">
-            <a:extLst>
-              <a:ext uri="{28A0092B-C50C-407E-A947-70E740481C1C}">
-                <a14:useLocalDpi xmlns:a14="http://schemas.microsoft.com/office/drawing/2010/main" val="0"/>
-              </a:ext>
-            </a:extLst>
-          </a:blip>
-          <a:stretch>
-            <a:fillRect/>
-          </a:stretch>
-        </p:blipFill>
-        <p:spPr>
-          <a:xfrm>
-            <a:off x="9704434" y="390759"/>
-            <a:ext cx="1555376" cy="1555376"/>
-          </a:xfrm>
-          <a:prstGeom prst="rect">
-            <a:avLst/>
-          </a:prstGeom>
-        </p:spPr>
-      </p:pic>
-      <p:sp>
-        <p:nvSpPr>
-          <p:cNvPr id="56" name="Rectangle: Rounded Corners 55">
-            <a:extLst>
-              <a:ext uri="{FF2B5EF4-FFF2-40B4-BE49-F238E27FC236}">
-                <a16:creationId xmlns:a16="http://schemas.microsoft.com/office/drawing/2014/main" id="{3708CAB3-F20B-4B42-8974-307F7822A3E0}"/>
-              </a:ext>
-            </a:extLst>
-          </p:cNvPr>
-          <p:cNvSpPr/>
-          <p:nvPr/>
-        </p:nvSpPr>
-        <p:spPr>
-          <a:xfrm>
-            <a:off x="3341774" y="2281830"/>
-            <a:ext cx="1980000" cy="1475154"/>
-          </a:xfrm>
-          <a:prstGeom prst="roundRect">
-            <a:avLst/>
-          </a:prstGeom>
-          <a:solidFill>
-            <a:schemeClr val="bg1">
-              <a:lumMod val="95000"/>
-            </a:schemeClr>
-          </a:solidFill>
-        </p:spPr>
-        <p:style>
-          <a:lnRef idx="2">
-            <a:schemeClr val="accent1">
-              <a:shade val="15000"/>
-            </a:schemeClr>
-          </a:lnRef>
-          <a:fillRef idx="1">
-            <a:schemeClr val="accent1"/>
-          </a:fillRef>
-          <a:effectRef idx="0">
-            <a:schemeClr val="accent1"/>
-          </a:effectRef>
-          <a:fontRef idx="minor">
-            <a:schemeClr val="lt1"/>
-          </a:fontRef>
-        </p:style>
-        <p:txBody>
-          <a:bodyPr rtlCol="0" anchor="t"/>
-          <a:lstStyle/>
-          <a:p>
-            <a:pPr algn="ctr"/>
-            <a:endParaRPr lang="en-IN" dirty="0"/>
-          </a:p>
-          <a:p>
-            <a:pPr algn="ctr"/>
-            <a:endParaRPr lang="en-IN" dirty="0"/>
-          </a:p>
-          <a:p>
-            <a:pPr algn="ctr"/>
-            <a:r>
-              <a:rPr lang="en-IN" b="1" dirty="0">
-                <a:solidFill>
-                  <a:schemeClr val="tx1"/>
-                </a:solidFill>
-              </a:rPr>
-              <a:t>Broker Cluster 1</a:t>
-            </a:r>
-          </a:p>
-          <a:p>
-            <a:pPr algn="ctr"/>
-            <a:r>
-              <a:rPr lang="en-IN" sz="1400" dirty="0">
-                <a:solidFill>
-                  <a:schemeClr val="tx1"/>
-                </a:solidFill>
-              </a:rPr>
-              <a:t>For scalability and fault tolerance</a:t>
-            </a:r>
-          </a:p>
-          <a:p>
-            <a:endParaRPr lang="en-IN" dirty="0"/>
-          </a:p>
-        </p:txBody>
-      </p:sp>
-      <p:sp>
-        <p:nvSpPr>
-          <p:cNvPr id="57" name="Rectangle: Rounded Corners 56">
-            <a:extLst>
-              <a:ext uri="{FF2B5EF4-FFF2-40B4-BE49-F238E27FC236}">
-                <a16:creationId xmlns:a16="http://schemas.microsoft.com/office/drawing/2014/main" id="{1447255B-FEEF-4AFE-89DF-746F4C68A8CE}"/>
-              </a:ext>
-            </a:extLst>
-          </p:cNvPr>
-          <p:cNvSpPr/>
-          <p:nvPr/>
-        </p:nvSpPr>
-        <p:spPr>
-          <a:xfrm>
-            <a:off x="3375341" y="4427329"/>
-            <a:ext cx="1980000" cy="1475154"/>
-          </a:xfrm>
-          <a:prstGeom prst="roundRect">
-            <a:avLst/>
-          </a:prstGeom>
-          <a:solidFill>
-            <a:schemeClr val="bg1">
-              <a:lumMod val="95000"/>
-            </a:schemeClr>
-          </a:solidFill>
-        </p:spPr>
-        <p:style>
-          <a:lnRef idx="2">
-            <a:schemeClr val="accent1">
-              <a:shade val="15000"/>
-            </a:schemeClr>
-          </a:lnRef>
-          <a:fillRef idx="1">
-            <a:schemeClr val="accent1"/>
-          </a:fillRef>
-          <a:effectRef idx="0">
-            <a:schemeClr val="accent1"/>
-          </a:effectRef>
-          <a:fontRef idx="minor">
-            <a:schemeClr val="lt1"/>
-          </a:fontRef>
-        </p:style>
-        <p:txBody>
-          <a:bodyPr rtlCol="0" anchor="t"/>
-          <a:lstStyle/>
-          <a:p>
-            <a:pPr algn="ctr"/>
-            <a:endParaRPr lang="en-IN" dirty="0"/>
-          </a:p>
-          <a:p>
-            <a:pPr algn="ctr"/>
-            <a:endParaRPr lang="en-IN" dirty="0"/>
-          </a:p>
-          <a:p>
-            <a:pPr algn="ctr"/>
-            <a:r>
-              <a:rPr lang="en-IN" dirty="0">
-                <a:solidFill>
-                  <a:schemeClr val="tx1"/>
-                </a:solidFill>
-              </a:rPr>
-              <a:t>  </a:t>
-            </a:r>
-            <a:r>
-              <a:rPr lang="en-IN" b="1" dirty="0">
-                <a:solidFill>
-                  <a:schemeClr val="tx1"/>
-                </a:solidFill>
-              </a:rPr>
-              <a:t>Broker Cluster 2</a:t>
-            </a:r>
-          </a:p>
-          <a:p>
-            <a:pPr algn="ctr"/>
-            <a:r>
-              <a:rPr lang="en-IN" sz="1400" dirty="0">
-                <a:solidFill>
-                  <a:schemeClr val="tx1"/>
-                </a:solidFill>
-              </a:rPr>
-              <a:t>For scalability and fault tolerance</a:t>
-            </a:r>
-          </a:p>
-          <a:p>
-            <a:endParaRPr lang="en-IN" sz="1400" dirty="0">
-              <a:solidFill>
-                <a:schemeClr val="tx1"/>
-              </a:solidFill>
-            </a:endParaRPr>
-          </a:p>
-          <a:p>
-            <a:endParaRPr lang="en-IN" dirty="0"/>
-          </a:p>
-        </p:txBody>
-      </p:sp>
-      <p:pic>
-        <p:nvPicPr>
-          <p:cNvPr id="58" name="Picture 57">
-            <a:extLst>
-              <a:ext uri="{FF2B5EF4-FFF2-40B4-BE49-F238E27FC236}">
-                <a16:creationId xmlns:a16="http://schemas.microsoft.com/office/drawing/2014/main" id="{70ECE58C-CF6E-4781-A738-F1524811032D}"/>
-              </a:ext>
-            </a:extLst>
-          </p:cNvPr>
-          <p:cNvPicPr>
-            <a:picLocks noChangeAspect="1"/>
-          </p:cNvPicPr>
-          <p:nvPr/>
-        </p:nvPicPr>
-        <p:blipFill>
-          <a:blip r:embed="rId4">
-            <a:extLst>
-              <a:ext uri="{28A0092B-C50C-407E-A947-70E740481C1C}">
-                <a14:useLocalDpi xmlns:a14="http://schemas.microsoft.com/office/drawing/2010/main" val="0"/>
-              </a:ext>
-            </a:extLst>
-          </a:blip>
-          <a:stretch>
-            <a:fillRect/>
-          </a:stretch>
-        </p:blipFill>
-        <p:spPr>
-          <a:xfrm>
-            <a:off x="3796720" y="2402833"/>
-            <a:ext cx="1027363" cy="540024"/>
-          </a:xfrm>
-          <a:prstGeom prst="rect">
-            <a:avLst/>
-          </a:prstGeom>
-        </p:spPr>
-      </p:pic>
-      <p:pic>
-        <p:nvPicPr>
-          <p:cNvPr id="59" name="Picture 58">
-            <a:extLst>
-              <a:ext uri="{FF2B5EF4-FFF2-40B4-BE49-F238E27FC236}">
-                <a16:creationId xmlns:a16="http://schemas.microsoft.com/office/drawing/2014/main" id="{D8E2B4AA-C47B-4619-813A-1479169BBA30}"/>
-              </a:ext>
-            </a:extLst>
-          </p:cNvPr>
-          <p:cNvPicPr>
-            <a:picLocks noChangeAspect="1"/>
-          </p:cNvPicPr>
-          <p:nvPr/>
-        </p:nvPicPr>
-        <p:blipFill>
-          <a:blip r:embed="rId4">
-            <a:extLst>
-              <a:ext uri="{28A0092B-C50C-407E-A947-70E740481C1C}">
-                <a14:useLocalDpi xmlns:a14="http://schemas.microsoft.com/office/drawing/2010/main" val="0"/>
-              </a:ext>
-            </a:extLst>
-          </a:blip>
-          <a:stretch>
-            <a:fillRect/>
-          </a:stretch>
-        </p:blipFill>
-        <p:spPr>
-          <a:xfrm>
-            <a:off x="3818092" y="4510691"/>
-            <a:ext cx="1027363" cy="540024"/>
-          </a:xfrm>
-          <a:prstGeom prst="rect">
-            <a:avLst/>
-          </a:prstGeom>
-        </p:spPr>
-      </p:pic>
-      <p:sp>
-        <p:nvSpPr>
-          <p:cNvPr id="61" name="Arrow: Right 60">
-            <a:extLst>
-              <a:ext uri="{FF2B5EF4-FFF2-40B4-BE49-F238E27FC236}">
-                <a16:creationId xmlns:a16="http://schemas.microsoft.com/office/drawing/2014/main" id="{80CAE156-A4C2-403E-9054-EFAA6B557164}"/>
-              </a:ext>
-            </a:extLst>
-          </p:cNvPr>
-          <p:cNvSpPr/>
-          <p:nvPr/>
-        </p:nvSpPr>
-        <p:spPr>
-          <a:xfrm>
-            <a:off x="2575043" y="3948737"/>
-            <a:ext cx="846494" cy="234001"/>
-          </a:xfrm>
-          <a:prstGeom prst="rightArrow">
-            <a:avLst/>
-          </a:prstGeom>
-          <a:solidFill>
-            <a:schemeClr val="accent1"/>
-          </a:solidFill>
-        </p:spPr>
-        <p:style>
-          <a:lnRef idx="2">
-            <a:schemeClr val="accent1">
-              <a:shade val="15000"/>
-            </a:schemeClr>
-          </a:lnRef>
-          <a:fillRef idx="1">
-            <a:schemeClr val="accent1"/>
-          </a:fillRef>
-          <a:effectRef idx="0">
-            <a:schemeClr val="accent1"/>
-          </a:effectRef>
-          <a:fontRef idx="minor">
-            <a:schemeClr val="lt1"/>
-          </a:fontRef>
-        </p:style>
-        <p:txBody>
-          <a:bodyPr rtlCol="0" anchor="ctr"/>
-          <a:lstStyle/>
-          <a:p>
-            <a:pPr algn="ctr"/>
-            <a:endParaRPr lang="en-IN"/>
-          </a:p>
-        </p:txBody>
-      </p:sp>
-      <p:sp>
-        <p:nvSpPr>
-          <p:cNvPr id="62" name="Rectangle: Rounded Corners 61">
-            <a:extLst>
-              <a:ext uri="{FF2B5EF4-FFF2-40B4-BE49-F238E27FC236}">
-                <a16:creationId xmlns:a16="http://schemas.microsoft.com/office/drawing/2014/main" id="{059195E8-BC64-44FE-87A1-63E1A5980ACA}"/>
-              </a:ext>
-            </a:extLst>
-          </p:cNvPr>
-          <p:cNvSpPr/>
-          <p:nvPr/>
-        </p:nvSpPr>
-        <p:spPr>
-          <a:xfrm>
-            <a:off x="6386448" y="3381427"/>
-            <a:ext cx="1980000" cy="1475154"/>
-          </a:xfrm>
-          <a:prstGeom prst="roundRect">
-            <a:avLst/>
-          </a:prstGeom>
-          <a:solidFill>
-            <a:schemeClr val="bg1">
-              <a:lumMod val="95000"/>
-            </a:schemeClr>
-          </a:solidFill>
-        </p:spPr>
-        <p:style>
-          <a:lnRef idx="2">
-            <a:schemeClr val="accent1">
-              <a:shade val="15000"/>
-            </a:schemeClr>
-          </a:lnRef>
-          <a:fillRef idx="1">
-            <a:schemeClr val="accent1"/>
-          </a:fillRef>
-          <a:effectRef idx="0">
-            <a:schemeClr val="accent1"/>
-          </a:effectRef>
-          <a:fontRef idx="minor">
-            <a:schemeClr val="lt1"/>
-          </a:fontRef>
-        </p:style>
-        <p:txBody>
-          <a:bodyPr rtlCol="0" anchor="t"/>
-          <a:lstStyle/>
-          <a:p>
-            <a:r>
-              <a:rPr lang="en-IN" dirty="0"/>
-              <a:t>	</a:t>
-            </a:r>
-          </a:p>
-          <a:p>
-            <a:endParaRPr lang="en-IN" dirty="0"/>
-          </a:p>
-          <a:p>
-            <a:r>
-              <a:rPr lang="en-IN" dirty="0">
-                <a:solidFill>
-                  <a:schemeClr val="tx1"/>
-                </a:solidFill>
-              </a:rPr>
-              <a:t>         </a:t>
-            </a:r>
-            <a:r>
-              <a:rPr lang="en-IN" dirty="0" err="1">
-                <a:solidFill>
-                  <a:schemeClr val="tx1"/>
-                </a:solidFill>
-              </a:rPr>
-              <a:t>Pyspark</a:t>
-            </a:r>
-            <a:endParaRPr lang="en-IN" dirty="0">
-              <a:solidFill>
-                <a:schemeClr val="tx1"/>
-              </a:solidFill>
-            </a:endParaRPr>
-          </a:p>
-          <a:p>
-            <a:r>
-              <a:rPr lang="en-IN" sz="1400" dirty="0">
-                <a:solidFill>
-                  <a:schemeClr val="tx1"/>
-                </a:solidFill>
-              </a:rPr>
-              <a:t>Processing Data in </a:t>
-            </a:r>
-            <a:r>
-              <a:rPr lang="en-IN" sz="1400" dirty="0" err="1">
-                <a:solidFill>
-                  <a:schemeClr val="tx1"/>
-                </a:solidFill>
-              </a:rPr>
-              <a:t>Pyspark</a:t>
-            </a:r>
-            <a:endParaRPr lang="en-IN" sz="1400" dirty="0">
-              <a:solidFill>
-                <a:schemeClr val="tx1"/>
-              </a:solidFill>
-            </a:endParaRPr>
-          </a:p>
-          <a:p>
-            <a:endParaRPr lang="en-IN" dirty="0"/>
-          </a:p>
-        </p:txBody>
-      </p:sp>
-      <p:pic>
-        <p:nvPicPr>
-          <p:cNvPr id="63" name="Picture 62">
-            <a:extLst>
-              <a:ext uri="{FF2B5EF4-FFF2-40B4-BE49-F238E27FC236}">
-                <a16:creationId xmlns:a16="http://schemas.microsoft.com/office/drawing/2014/main" id="{EFA422D8-5618-42C1-A1E3-D16BC3ADEAA5}"/>
-              </a:ext>
-            </a:extLst>
-          </p:cNvPr>
-          <p:cNvPicPr>
-            <a:picLocks noChangeAspect="1"/>
-          </p:cNvPicPr>
-          <p:nvPr/>
-        </p:nvPicPr>
-        <p:blipFill>
-          <a:blip r:embed="rId6">
-            <a:extLst>
-              <a:ext uri="{28A0092B-C50C-407E-A947-70E740481C1C}">
-                <a14:useLocalDpi xmlns:a14="http://schemas.microsoft.com/office/drawing/2010/main" val="0"/>
-              </a:ext>
-              <a:ext uri="{837473B0-CC2E-450A-ABE3-18F120FF3D39}">
-                <a1611:picAttrSrcUrl xmlns:a1611="http://schemas.microsoft.com/office/drawing/2016/11/main" r:id="rId7"/>
-              </a:ext>
-            </a:extLst>
-          </a:blip>
-          <a:stretch>
-            <a:fillRect/>
-          </a:stretch>
-        </p:blipFill>
-        <p:spPr>
-          <a:xfrm>
-            <a:off x="6889765" y="3461888"/>
-            <a:ext cx="973365" cy="548735"/>
-          </a:xfrm>
-          <a:prstGeom prst="rect">
-            <a:avLst/>
-          </a:prstGeom>
-        </p:spPr>
-      </p:pic>
-      <p:sp>
-        <p:nvSpPr>
-          <p:cNvPr id="64" name="Arrow: Right 63">
-            <a:extLst>
-              <a:ext uri="{FF2B5EF4-FFF2-40B4-BE49-F238E27FC236}">
-                <a16:creationId xmlns:a16="http://schemas.microsoft.com/office/drawing/2014/main" id="{70686758-78C9-47BB-BCBA-35DD5966CC62}"/>
-              </a:ext>
-            </a:extLst>
-          </p:cNvPr>
-          <p:cNvSpPr/>
-          <p:nvPr/>
-        </p:nvSpPr>
-        <p:spPr>
-          <a:xfrm>
-            <a:off x="5439377" y="4008678"/>
-            <a:ext cx="887506" cy="234000"/>
-          </a:xfrm>
-          <a:prstGeom prst="rightArrow">
-            <a:avLst/>
-          </a:prstGeom>
-          <a:solidFill>
-            <a:schemeClr val="accent1"/>
-          </a:solidFill>
-        </p:spPr>
-        <p:style>
-          <a:lnRef idx="2">
-            <a:schemeClr val="accent1">
-              <a:shade val="15000"/>
-            </a:schemeClr>
-          </a:lnRef>
-          <a:fillRef idx="1">
-            <a:schemeClr val="accent1"/>
-          </a:fillRef>
-          <a:effectRef idx="0">
-            <a:schemeClr val="accent1"/>
-          </a:effectRef>
-          <a:fontRef idx="minor">
-            <a:schemeClr val="lt1"/>
-          </a:fontRef>
-        </p:style>
-        <p:txBody>
-          <a:bodyPr rtlCol="0" anchor="ctr"/>
-          <a:lstStyle/>
-          <a:p>
-            <a:pPr algn="ctr"/>
-            <a:endParaRPr lang="en-IN"/>
+            <a:r>
+              <a:rPr lang="en-US" sz="2000" dirty="0"/>
+              <a:t>To develop a dynamic, data-driven visualization tool using Tableau for real-time analysis of simulated e-commerce data, aimed at assisting managers in making informed decisions. The specific goals of this project are:</a:t>
+            </a:r>
+          </a:p>
+          <a:p>
+            <a:pPr marL="285750" indent="-285750">
+              <a:buFont typeface="Arial" panose="020B0604020202020204" pitchFamily="34" charset="0"/>
+              <a:buChar char="•"/>
+            </a:pPr>
+            <a:r>
+              <a:rPr lang="en-US" sz="2000" dirty="0"/>
+              <a:t>Simulate Realistic E-commerce Data</a:t>
+            </a:r>
+          </a:p>
+          <a:p>
+            <a:pPr marL="285750" indent="-285750">
+              <a:buFont typeface="Arial" panose="020B0604020202020204" pitchFamily="34" charset="0"/>
+              <a:buChar char="•"/>
+            </a:pPr>
+            <a:r>
+              <a:rPr lang="en-US" sz="2000" dirty="0"/>
+              <a:t>Create Interactive Visualizations</a:t>
+            </a:r>
+          </a:p>
+          <a:p>
+            <a:pPr marL="285750" indent="-285750">
+              <a:buFont typeface="Arial" panose="020B0604020202020204" pitchFamily="34" charset="0"/>
+              <a:buChar char="•"/>
+            </a:pPr>
+            <a:r>
+              <a:rPr lang="en-US" sz="2000" dirty="0"/>
+              <a:t>Deliver Actionable Insights</a:t>
+            </a:r>
+          </a:p>
+          <a:p>
+            <a:pPr marL="285750" indent="-285750">
+              <a:buFont typeface="Arial" panose="020B0604020202020204" pitchFamily="34" charset="0"/>
+              <a:buChar char="•"/>
+            </a:pPr>
+            <a:r>
+              <a:rPr lang="en-US" sz="2000" dirty="0"/>
+              <a:t>Improve Manager Efficiency</a:t>
+            </a:r>
+          </a:p>
+          <a:p>
+            <a:pPr marL="285750" indent="-285750">
+              <a:buFont typeface="Arial" panose="020B0604020202020204" pitchFamily="34" charset="0"/>
+              <a:buChar char="•"/>
+            </a:pPr>
+            <a:r>
+              <a:rPr lang="en-US" sz="2000" dirty="0"/>
+              <a:t>Streamline Data Visualization</a:t>
+            </a:r>
+          </a:p>
+          <a:p>
+            <a:pPr lvl="1"/>
+            <a:endParaRPr lang="en-US" dirty="0"/>
           </a:p>
         </p:txBody>
       </p:sp>
     </p:spTree>
     <p:extLst>
       <p:ext uri="{BB962C8B-B14F-4D97-AF65-F5344CB8AC3E}">
-        <p14:creationId xmlns:p14="http://schemas.microsoft.com/office/powerpoint/2010/main" val="3761237703"/>
+        <p14:creationId xmlns:p14="http://schemas.microsoft.com/office/powerpoint/2010/main" val="831902883"/>
       </p:ext>
     </p:extLst>
   </p:cSld>
@@ -7858,10 +7093,10 @@
       </p:grpSpPr>
       <p:sp>
         <p:nvSpPr>
-          <p:cNvPr id="50" name="TextBox 49">
-            <a:extLst>
-              <a:ext uri="{FF2B5EF4-FFF2-40B4-BE49-F238E27FC236}">
-                <a16:creationId xmlns:a16="http://schemas.microsoft.com/office/drawing/2014/main" id="{8F408ADB-D187-498E-A578-A5F4B042BD54}"/>
+          <p:cNvPr id="2" name="TextBox 1">
+            <a:extLst>
+              <a:ext uri="{FF2B5EF4-FFF2-40B4-BE49-F238E27FC236}">
+                <a16:creationId xmlns:a16="http://schemas.microsoft.com/office/drawing/2014/main" id="{4F822B54-90A5-445D-B87F-DD1767E4ECFD}"/>
               </a:ext>
             </a:extLst>
           </p:cNvPr>
@@ -7870,8 +7105,8 @@
         </p:nvSpPr>
         <p:spPr>
           <a:xfrm>
-            <a:off x="617672" y="326012"/>
-            <a:ext cx="10829689" cy="7171194"/>
+            <a:off x="598312" y="530576"/>
+            <a:ext cx="7360356" cy="646331"/>
           </a:xfrm>
           <a:prstGeom prst="rect">
             <a:avLst/>
@@ -7885,130 +7120,93 @@
           <a:lstStyle/>
           <a:p>
             <a:r>
-              <a:rPr lang="en-US" sz="2000" b="1" dirty="0"/>
-              <a:t>Python Faker:</a:t>
-            </a:r>
-            <a:endParaRPr lang="en-US" sz="2000" dirty="0"/>
-          </a:p>
-          <a:p>
-            <a:pPr marL="800100" lvl="1" indent="-342900">
-              <a:buFont typeface="Arial" panose="020B0604020202020204" pitchFamily="34" charset="0"/>
-              <a:buChar char="•"/>
-            </a:pPr>
-            <a:r>
-              <a:rPr lang="en-US" sz="2000" dirty="0"/>
-              <a:t>Python Faker plays a crucial role in generating realistic e-commerce data for our analytics dashboard project.</a:t>
-            </a:r>
-          </a:p>
-          <a:p>
-            <a:pPr marL="800100" lvl="1" indent="-342900">
-              <a:buFont typeface="Arial" panose="020B0604020202020204" pitchFamily="34" charset="0"/>
-              <a:buChar char="•"/>
-            </a:pPr>
-            <a:r>
-              <a:rPr lang="en-US" sz="2000" dirty="0"/>
-              <a:t>Python Faker is a powerful library that enables the creation of various types of fake data with a high degree of realism.</a:t>
-            </a:r>
-          </a:p>
-          <a:p>
-            <a:pPr marL="800100" lvl="1" indent="-342900">
-              <a:buFont typeface="Arial" panose="020B0604020202020204" pitchFamily="34" charset="0"/>
-              <a:buChar char="•"/>
-            </a:pPr>
-            <a:r>
-              <a:rPr lang="en-US" sz="2000" dirty="0"/>
-              <a:t>It allows us to generate diverse datasets mimicking real-world e-commerce scenarios, including customer information, product details, transactions, and more.</a:t>
-            </a:r>
-          </a:p>
-          <a:p>
-            <a:pPr marL="800100" lvl="1" indent="-342900">
-              <a:buFont typeface="Arial" panose="020B0604020202020204" pitchFamily="34" charset="0"/>
-              <a:buChar char="•"/>
-            </a:pPr>
-            <a:r>
-              <a:rPr lang="en-US" sz="2000" dirty="0"/>
-              <a:t>By leveraging Python Faker, we ensure that our analytics dashboard is fueled with data that closely resembles actual e-commerce activities, providing a solid foundation for analysis.</a:t>
-            </a:r>
-          </a:p>
-          <a:p>
-            <a:r>
-              <a:rPr lang="en-US" sz="2000" b="1" dirty="0"/>
-              <a:t>Kafka:</a:t>
-            </a:r>
-            <a:endParaRPr lang="en-US" sz="2000" dirty="0"/>
-          </a:p>
-          <a:p>
-            <a:pPr marL="800100" lvl="1" indent="-342900">
-              <a:buFont typeface="Arial" panose="020B0604020202020204" pitchFamily="34" charset="0"/>
-              <a:buChar char="•"/>
-            </a:pPr>
-            <a:r>
-              <a:rPr lang="en-US" sz="2000" dirty="0"/>
-              <a:t>Kafka serves as a pivotal component in our real-time data streaming architecture, facilitating seamless communication and processing of e-commerce data.</a:t>
-            </a:r>
-          </a:p>
-          <a:p>
-            <a:pPr marL="800100" lvl="1" indent="-342900">
-              <a:buFont typeface="Arial" panose="020B0604020202020204" pitchFamily="34" charset="0"/>
-              <a:buChar char="•"/>
-            </a:pPr>
-            <a:r>
-              <a:rPr lang="en-US" sz="2000" dirty="0"/>
-              <a:t>Our Kafka setup consists of two broker clusters: Broker 1 and Broker 2.</a:t>
-            </a:r>
-          </a:p>
-          <a:p>
-            <a:pPr marL="800100" lvl="1" indent="-342900">
-              <a:buFont typeface="Arial" panose="020B0604020202020204" pitchFamily="34" charset="0"/>
-              <a:buChar char="•"/>
-            </a:pPr>
-            <a:r>
-              <a:rPr lang="en-US" sz="2000" dirty="0"/>
-              <a:t>Broker clusters are collections of Kafka brokers responsible for handling incoming data streams and distributing them across partitions.</a:t>
-            </a:r>
-          </a:p>
-          <a:p>
-            <a:pPr marL="800100" lvl="1" indent="-342900">
-              <a:buFont typeface="Arial" panose="020B0604020202020204" pitchFamily="34" charset="0"/>
-              <a:buChar char="•"/>
-            </a:pPr>
-            <a:r>
-              <a:rPr lang="en-US" sz="2000" dirty="0"/>
-              <a:t>Having two broker clusters enhances system resilience, ensuring uninterrupted data streaming and processing even in the event of a broker failure.</a:t>
-            </a:r>
-          </a:p>
-          <a:p>
-            <a:pPr marL="800100" lvl="1" indent="-342900">
-              <a:buFont typeface="Arial" panose="020B0604020202020204" pitchFamily="34" charset="0"/>
-              <a:buChar char="•"/>
-            </a:pPr>
-            <a:r>
-              <a:rPr lang="en-US" sz="2000" dirty="0"/>
-              <a:t>Kafka boasts robust scalability and fault tolerance features, making it ideal for handling streaming data in enterprise environments.</a:t>
-            </a:r>
-          </a:p>
-          <a:p>
-            <a:pPr marL="800100" lvl="1" indent="-342900">
-              <a:buFont typeface="Arial" panose="020B0604020202020204" pitchFamily="34" charset="0"/>
-              <a:buChar char="•"/>
-            </a:pPr>
-            <a:r>
-              <a:rPr lang="en-US" sz="2000" dirty="0"/>
-              <a:t>Kafka topics serve as resilient bridges for seamless communication and processing of e-commerce data streams, enabling efficient analytics and insights generation.</a:t>
-            </a:r>
-          </a:p>
-          <a:p>
-            <a:br>
-              <a:rPr lang="en-US" sz="2000" dirty="0"/>
-            </a:br>
-            <a:endParaRPr lang="en-US" sz="2000" dirty="0"/>
+              <a:rPr lang="en-US" b="1" dirty="0"/>
+              <a:t>Product Dataset:-</a:t>
+            </a:r>
+          </a:p>
+          <a:p>
+            <a:endParaRPr lang="en-US" dirty="0"/>
           </a:p>
         </p:txBody>
       </p:sp>
+      <p:pic>
+        <p:nvPicPr>
+          <p:cNvPr id="6" name="Picture 5">
+            <a:extLst>
+              <a:ext uri="{FF2B5EF4-FFF2-40B4-BE49-F238E27FC236}">
+                <a16:creationId xmlns:a16="http://schemas.microsoft.com/office/drawing/2014/main" id="{2317BEE0-D722-4CF6-80A3-7AF5B089F5E9}"/>
+              </a:ext>
+            </a:extLst>
+          </p:cNvPr>
+          <p:cNvPicPr>
+            <a:picLocks noChangeAspect="1"/>
+          </p:cNvPicPr>
+          <p:nvPr/>
+        </p:nvPicPr>
+        <p:blipFill>
+          <a:blip r:embed="rId2">
+            <a:extLst>
+              <a:ext uri="{28A0092B-C50C-407E-A947-70E740481C1C}">
+                <a14:useLocalDpi xmlns:a14="http://schemas.microsoft.com/office/drawing/2010/main" val="0"/>
+              </a:ext>
+            </a:extLst>
+          </a:blip>
+          <a:stretch>
+            <a:fillRect/>
+          </a:stretch>
+        </p:blipFill>
+        <p:spPr>
+          <a:xfrm>
+            <a:off x="598312" y="1176907"/>
+            <a:ext cx="10580370" cy="3417669"/>
+          </a:xfrm>
+          <a:prstGeom prst="rect">
+            <a:avLst/>
+          </a:prstGeom>
+        </p:spPr>
+      </p:pic>
+      <p:cxnSp>
+        <p:nvCxnSpPr>
+          <p:cNvPr id="8" name="Straight Connector 7">
+            <a:extLst>
+              <a:ext uri="{FF2B5EF4-FFF2-40B4-BE49-F238E27FC236}">
+                <a16:creationId xmlns:a16="http://schemas.microsoft.com/office/drawing/2014/main" id="{26D470A0-B338-4A86-BDD9-AA044245293C}"/>
+              </a:ext>
+            </a:extLst>
+          </p:cNvPr>
+          <p:cNvCxnSpPr>
+            <a:cxnSpLocks/>
+          </p:cNvCxnSpPr>
+          <p:nvPr/>
+        </p:nvCxnSpPr>
+        <p:spPr>
+          <a:xfrm>
+            <a:off x="598312" y="1176907"/>
+            <a:ext cx="10580370" cy="0"/>
+          </a:xfrm>
+          <a:prstGeom prst="line">
+            <a:avLst/>
+          </a:prstGeom>
+        </p:spPr>
+        <p:style>
+          <a:lnRef idx="1">
+            <a:schemeClr val="accent1"/>
+          </a:lnRef>
+          <a:fillRef idx="0">
+            <a:schemeClr val="accent1"/>
+          </a:fillRef>
+          <a:effectRef idx="0">
+            <a:schemeClr val="accent1"/>
+          </a:effectRef>
+          <a:fontRef idx="minor">
+            <a:schemeClr val="tx1"/>
+          </a:fontRef>
+        </p:style>
+      </p:cxnSp>
     </p:spTree>
     <p:extLst>
       <p:ext uri="{BB962C8B-B14F-4D97-AF65-F5344CB8AC3E}">
-        <p14:creationId xmlns:p14="http://schemas.microsoft.com/office/powerpoint/2010/main" val="1576787220"/>
+        <p14:creationId xmlns:p14="http://schemas.microsoft.com/office/powerpoint/2010/main" val="3217982259"/>
       </p:ext>
     </p:extLst>
   </p:cSld>
@@ -8037,170 +7235,82 @@
       </p:grpSpPr>
       <p:sp>
         <p:nvSpPr>
-          <p:cNvPr id="3" name="Rectangle 2">
-            <a:extLst>
-              <a:ext uri="{FF2B5EF4-FFF2-40B4-BE49-F238E27FC236}">
-                <a16:creationId xmlns:a16="http://schemas.microsoft.com/office/drawing/2014/main" id="{434BCAE8-E8B3-4896-B5D5-EA3391A4B62A}"/>
-              </a:ext>
-            </a:extLst>
-          </p:cNvPr>
-          <p:cNvSpPr/>
+          <p:cNvPr id="3" name="TextBox 2">
+            <a:extLst>
+              <a:ext uri="{FF2B5EF4-FFF2-40B4-BE49-F238E27FC236}">
+                <a16:creationId xmlns:a16="http://schemas.microsoft.com/office/drawing/2014/main" id="{90E164B5-6D98-4194-A0E1-5BDE67D017DF}"/>
+              </a:ext>
+            </a:extLst>
+          </p:cNvPr>
+          <p:cNvSpPr txBox="1"/>
           <p:nvPr/>
         </p:nvSpPr>
         <p:spPr>
           <a:xfrm>
-            <a:off x="587021" y="474133"/>
-            <a:ext cx="10848765" cy="6863417"/>
+            <a:off x="451556" y="530578"/>
+            <a:ext cx="7360356" cy="646331"/>
+          </a:xfrm>
+          <a:prstGeom prst="rect">
+            <a:avLst/>
+          </a:prstGeom>
+          <a:noFill/>
+        </p:spPr>
+        <p:txBody>
+          <a:bodyPr wrap="square" rtlCol="0">
+            <a:spAutoFit/>
+          </a:bodyPr>
+          <a:lstStyle/>
+          <a:p>
+            <a:r>
+              <a:rPr lang="en-US" b="1" dirty="0"/>
+              <a:t>Customer Dataset:-</a:t>
+            </a:r>
+          </a:p>
+          <a:p>
+            <a:endParaRPr lang="en-US" dirty="0"/>
+          </a:p>
+        </p:txBody>
+      </p:sp>
+      <p:pic>
+        <p:nvPicPr>
+          <p:cNvPr id="7" name="Picture 6">
+            <a:extLst>
+              <a:ext uri="{FF2B5EF4-FFF2-40B4-BE49-F238E27FC236}">
+                <a16:creationId xmlns:a16="http://schemas.microsoft.com/office/drawing/2014/main" id="{D4F2D1F7-C85A-4E7F-AE2E-2E94093AE0F0}"/>
+              </a:ext>
+            </a:extLst>
+          </p:cNvPr>
+          <p:cNvPicPr>
+            <a:picLocks noChangeAspect="1"/>
+          </p:cNvPicPr>
+          <p:nvPr/>
+        </p:nvPicPr>
+        <p:blipFill>
+          <a:blip r:embed="rId2">
+            <a:extLst>
+              <a:ext uri="{28A0092B-C50C-407E-A947-70E740481C1C}">
+                <a14:useLocalDpi xmlns:a14="http://schemas.microsoft.com/office/drawing/2010/main" val="0"/>
+              </a:ext>
+            </a:extLst>
+          </a:blip>
+          <a:stretch>
+            <a:fillRect/>
+          </a:stretch>
+        </p:blipFill>
+        <p:spPr>
+          <a:xfrm>
+            <a:off x="489849" y="1176909"/>
+            <a:ext cx="11250595" cy="3654735"/>
           </a:xfrm>
           <a:prstGeom prst="rect">
             <a:avLst/>
           </a:prstGeom>
         </p:spPr>
-        <p:txBody>
-          <a:bodyPr wrap="square">
-            <a:spAutoFit/>
-          </a:bodyPr>
-          <a:lstStyle/>
-          <a:p>
-            <a:r>
-              <a:rPr lang="en-US" sz="2000" b="1" dirty="0" err="1"/>
-              <a:t>PySpark</a:t>
-            </a:r>
-            <a:r>
-              <a:rPr lang="en-US" sz="2000" b="1" dirty="0"/>
-              <a:t>:</a:t>
-            </a:r>
-            <a:endParaRPr lang="en-US" sz="2000" dirty="0"/>
-          </a:p>
-          <a:p>
-            <a:pPr marL="800100" lvl="1" indent="-342900">
-              <a:buFont typeface="Arial" panose="020B0604020202020204" pitchFamily="34" charset="0"/>
-              <a:buChar char="•"/>
-            </a:pPr>
-            <a:r>
-              <a:rPr lang="en-US" sz="2000" dirty="0" err="1"/>
-              <a:t>PySpark</a:t>
-            </a:r>
-            <a:r>
-              <a:rPr lang="en-US" sz="2000" dirty="0"/>
-              <a:t>, a powerful distributed computing framework built on Apache Spark, plays a pivotal role in our architecture for efficient data processing in real-time analytics.</a:t>
-            </a:r>
-          </a:p>
-          <a:p>
-            <a:pPr marL="800100" lvl="1" indent="-342900">
-              <a:buFont typeface="Arial" panose="020B0604020202020204" pitchFamily="34" charset="0"/>
-              <a:buChar char="•"/>
-            </a:pPr>
-            <a:r>
-              <a:rPr lang="en-US" sz="2000" dirty="0" err="1"/>
-              <a:t>PySpark</a:t>
-            </a:r>
-            <a:r>
-              <a:rPr lang="en-US" sz="2000" dirty="0"/>
-              <a:t> seamlessly integrates with Kafka, allowing for direct consumption of data from Kafka topics.</a:t>
-            </a:r>
-          </a:p>
-          <a:p>
-            <a:pPr marL="800100" lvl="1" indent="-342900">
-              <a:buFont typeface="Arial" panose="020B0604020202020204" pitchFamily="34" charset="0"/>
-              <a:buChar char="•"/>
-            </a:pPr>
-            <a:r>
-              <a:rPr lang="en-US" sz="2000" dirty="0"/>
-              <a:t>Utilizing Spark's Kafka integration, we can establish data streams and subscribe to specific Kafka topics, enabling real-time ingestion of e-commerce data.</a:t>
-            </a:r>
-          </a:p>
-          <a:p>
-            <a:pPr marL="800100" lvl="1" indent="-342900">
-              <a:buFont typeface="Arial" panose="020B0604020202020204" pitchFamily="34" charset="0"/>
-              <a:buChar char="•"/>
-            </a:pPr>
-            <a:r>
-              <a:rPr lang="en-US" sz="2000" dirty="0"/>
-              <a:t>Spark's built-in capabilities for fault tolerance and load balancing ensure reliable and efficient data consumption from Kafka topics across distributed Spark workers.</a:t>
-            </a:r>
-          </a:p>
-          <a:p>
-            <a:pPr marL="800100" lvl="1" indent="-342900">
-              <a:buFont typeface="Arial" panose="020B0604020202020204" pitchFamily="34" charset="0"/>
-              <a:buChar char="•"/>
-            </a:pPr>
-            <a:r>
-              <a:rPr lang="en-US" sz="2000" dirty="0"/>
-              <a:t>Spark's distributed processing model enables efficient and parallelized data processing on large-scale datasets.</a:t>
-            </a:r>
-          </a:p>
-          <a:p>
-            <a:pPr marL="800100" lvl="1" indent="-342900">
-              <a:buFont typeface="Arial" panose="020B0604020202020204" pitchFamily="34" charset="0"/>
-              <a:buChar char="•"/>
-            </a:pPr>
-            <a:r>
-              <a:rPr lang="en-US" sz="2000" dirty="0"/>
-              <a:t>By leveraging Spark's RDDs (Resilient Distributed Datasets) or </a:t>
-            </a:r>
-            <a:r>
-              <a:rPr lang="en-US" sz="2000" dirty="0" err="1"/>
-              <a:t>DataFrames</a:t>
-            </a:r>
-            <a:r>
-              <a:rPr lang="en-US" sz="2000" dirty="0"/>
-              <a:t>, we can perform complex transformations and aggregations on e-commerce data with ease.</a:t>
-            </a:r>
-          </a:p>
-          <a:p>
-            <a:pPr marL="800100" lvl="1" indent="-342900">
-              <a:buFont typeface="Arial" panose="020B0604020202020204" pitchFamily="34" charset="0"/>
-              <a:buChar char="•"/>
-            </a:pPr>
-            <a:r>
-              <a:rPr lang="en-US" sz="2000" dirty="0"/>
-              <a:t>Spark excels at handling diverse e-commerce datasets characterized by varying structures, formats, and volumes.</a:t>
-            </a:r>
-          </a:p>
-          <a:p>
-            <a:pPr marL="800100" lvl="1" indent="-342900">
-              <a:buFont typeface="Arial" panose="020B0604020202020204" pitchFamily="34" charset="0"/>
-              <a:buChar char="•"/>
-            </a:pPr>
-            <a:r>
-              <a:rPr lang="en-US" sz="2000" dirty="0" err="1"/>
-              <a:t>PySpark's</a:t>
-            </a:r>
-            <a:r>
-              <a:rPr lang="en-US" sz="2000" dirty="0"/>
-              <a:t> seamless integration with Kafka enables efficient data ingestion and processing for real-time analytics in our e-commerce analytics dashboard.</a:t>
-            </a:r>
-          </a:p>
-          <a:p>
-            <a:pPr marL="800100" lvl="1" indent="-342900">
-              <a:buFont typeface="Arial" panose="020B0604020202020204" pitchFamily="34" charset="0"/>
-              <a:buChar char="•"/>
-            </a:pPr>
-            <a:r>
-              <a:rPr lang="en-US" sz="2000" dirty="0"/>
-              <a:t>Spark's capabilities in parallelized processing and handling diverse datasets empower us to extract valuable insights and trends from e-commerce data streams with speed and accuracy.</a:t>
-            </a:r>
-          </a:p>
-          <a:p>
-            <a:pPr marL="342900" indent="-342900">
-              <a:buFont typeface="Arial" panose="020B0604020202020204" pitchFamily="34" charset="0"/>
-              <a:buChar char="•"/>
-            </a:pPr>
-            <a:endParaRPr lang="en-US" sz="2000" dirty="0"/>
-          </a:p>
-          <a:p>
-            <a:br>
-              <a:rPr lang="en-US" sz="2000" dirty="0"/>
-            </a:br>
-            <a:endParaRPr lang="en-US" sz="2000" dirty="0"/>
-          </a:p>
-        </p:txBody>
-      </p:sp>
+      </p:pic>
     </p:spTree>
     <p:extLst>
       <p:ext uri="{BB962C8B-B14F-4D97-AF65-F5344CB8AC3E}">
-        <p14:creationId xmlns:p14="http://schemas.microsoft.com/office/powerpoint/2010/main" val="631357085"/>
+        <p14:creationId xmlns:p14="http://schemas.microsoft.com/office/powerpoint/2010/main" val="1752286524"/>
       </p:ext>
     </p:extLst>
   </p:cSld>
@@ -8229,120 +7339,82 @@
       </p:grpSpPr>
       <p:sp>
         <p:nvSpPr>
-          <p:cNvPr id="2" name="Rectangle 1">
-            <a:extLst>
-              <a:ext uri="{FF2B5EF4-FFF2-40B4-BE49-F238E27FC236}">
-                <a16:creationId xmlns:a16="http://schemas.microsoft.com/office/drawing/2014/main" id="{A6AD62D4-88E4-4322-81C8-C2C882AE6B35}"/>
-              </a:ext>
-            </a:extLst>
-          </p:cNvPr>
-          <p:cNvSpPr/>
+          <p:cNvPr id="2" name="TextBox 1">
+            <a:extLst>
+              <a:ext uri="{FF2B5EF4-FFF2-40B4-BE49-F238E27FC236}">
+                <a16:creationId xmlns:a16="http://schemas.microsoft.com/office/drawing/2014/main" id="{1A11DB7F-1E12-4EB7-8EAE-00DFEB1F1962}"/>
+              </a:ext>
+            </a:extLst>
+          </p:cNvPr>
+          <p:cNvSpPr txBox="1"/>
           <p:nvPr/>
         </p:nvSpPr>
         <p:spPr>
           <a:xfrm>
-            <a:off x="711200" y="475018"/>
-            <a:ext cx="10769600" cy="6247864"/>
+            <a:off x="383823" y="530578"/>
+            <a:ext cx="7360356" cy="646331"/>
+          </a:xfrm>
+          <a:prstGeom prst="rect">
+            <a:avLst/>
+          </a:prstGeom>
+          <a:noFill/>
+        </p:spPr>
+        <p:txBody>
+          <a:bodyPr wrap="square" rtlCol="0">
+            <a:spAutoFit/>
+          </a:bodyPr>
+          <a:lstStyle/>
+          <a:p>
+            <a:r>
+              <a:rPr lang="en-US" b="1" dirty="0"/>
+              <a:t>Transaction Dataset:-</a:t>
+            </a:r>
+          </a:p>
+          <a:p>
+            <a:endParaRPr lang="en-US" dirty="0"/>
+          </a:p>
+        </p:txBody>
+      </p:sp>
+      <p:pic>
+        <p:nvPicPr>
+          <p:cNvPr id="6" name="Picture 5">
+            <a:extLst>
+              <a:ext uri="{FF2B5EF4-FFF2-40B4-BE49-F238E27FC236}">
+                <a16:creationId xmlns:a16="http://schemas.microsoft.com/office/drawing/2014/main" id="{85199888-84F5-4DF8-8C8C-4E60A4C5853A}"/>
+              </a:ext>
+            </a:extLst>
+          </p:cNvPr>
+          <p:cNvPicPr>
+            <a:picLocks noChangeAspect="1"/>
+          </p:cNvPicPr>
+          <p:nvPr/>
+        </p:nvPicPr>
+        <p:blipFill>
+          <a:blip r:embed="rId2">
+            <a:extLst>
+              <a:ext uri="{28A0092B-C50C-407E-A947-70E740481C1C}">
+                <a14:useLocalDpi xmlns:a14="http://schemas.microsoft.com/office/drawing/2010/main" val="0"/>
+              </a:ext>
+            </a:extLst>
+          </a:blip>
+          <a:stretch>
+            <a:fillRect/>
+          </a:stretch>
+        </p:blipFill>
+        <p:spPr>
+          <a:xfrm>
+            <a:off x="519290" y="1176909"/>
+            <a:ext cx="11355385" cy="3203180"/>
           </a:xfrm>
           <a:prstGeom prst="rect">
             <a:avLst/>
           </a:prstGeom>
         </p:spPr>
-        <p:txBody>
-          <a:bodyPr wrap="square">
-            <a:spAutoFit/>
-          </a:bodyPr>
-          <a:lstStyle/>
-          <a:p>
-            <a:r>
-              <a:rPr lang="en-US" sz="2000" b="1" dirty="0"/>
-              <a:t>MongoDB:</a:t>
-            </a:r>
-            <a:endParaRPr lang="en-US" sz="2000" dirty="0"/>
-          </a:p>
-          <a:p>
-            <a:pPr marL="742950" lvl="1" indent="-285750">
-              <a:buFont typeface="Arial" panose="020B0604020202020204" pitchFamily="34" charset="0"/>
-              <a:buChar char="•"/>
-            </a:pPr>
-            <a:r>
-              <a:rPr lang="en-US" sz="2000" dirty="0"/>
-              <a:t>MongoDB serves a crucial role as an intermediary in our architecture, facilitating seamless data transfer between Spark and Tableau while providing flexibility and scalability as a data store. </a:t>
-            </a:r>
-          </a:p>
-          <a:p>
-            <a:pPr marL="742950" lvl="1" indent="-285750">
-              <a:buFont typeface="Arial" panose="020B0604020202020204" pitchFamily="34" charset="0"/>
-              <a:buChar char="•"/>
-            </a:pPr>
-            <a:r>
-              <a:rPr lang="en-US" sz="2000" dirty="0"/>
-              <a:t>MongoDB offers a flexible document-based data model, allowing us to store and manage diverse e-commerce data structures efficiently. Its schema-less design eliminates the need for predefined schema definitions, enabling agile data modeling and adaptation to evolving business requirements. </a:t>
-            </a:r>
-          </a:p>
-          <a:p>
-            <a:pPr marL="742950" lvl="1" indent="-285750">
-              <a:buFont typeface="Arial" panose="020B0604020202020204" pitchFamily="34" charset="0"/>
-              <a:buChar char="•"/>
-            </a:pPr>
-            <a:r>
-              <a:rPr lang="en-US" sz="2000" dirty="0"/>
-              <a:t>MongoDB's horizontal scalability features, such as </a:t>
-            </a:r>
-            <a:r>
-              <a:rPr lang="en-US" sz="2000" dirty="0" err="1"/>
-              <a:t>sharding</a:t>
-            </a:r>
-            <a:r>
-              <a:rPr lang="en-US" sz="2000" dirty="0"/>
-              <a:t> and replica sets, ensure that our data store can effortlessly scale to accommodate growing data volumes and processing demands. </a:t>
-            </a:r>
-          </a:p>
-          <a:p>
-            <a:pPr marL="742950" lvl="1" indent="-285750">
-              <a:buFont typeface="Arial" panose="020B0604020202020204" pitchFamily="34" charset="0"/>
-              <a:buChar char="•"/>
-            </a:pPr>
-            <a:r>
-              <a:rPr lang="en-US" sz="2000" dirty="0"/>
-              <a:t>MongoDB acts as a central hub for data exchange between Tableau and Spark, facilitating seamless data transfer and integration. </a:t>
-            </a:r>
-          </a:p>
-          <a:p>
-            <a:pPr marL="742950" lvl="1" indent="-285750">
-              <a:buFont typeface="Arial" panose="020B0604020202020204" pitchFamily="34" charset="0"/>
-              <a:buChar char="•"/>
-            </a:pPr>
-            <a:r>
-              <a:rPr lang="en-US" sz="2000" dirty="0"/>
-              <a:t>Spark can write processed e-commerce data directly to MongoDB collections, providing a unified data repository accessible to Tableau for visualization.</a:t>
-            </a:r>
-          </a:p>
-          <a:p>
-            <a:pPr marL="742950" lvl="1" indent="-285750">
-              <a:buFont typeface="Arial" panose="020B0604020202020204" pitchFamily="34" charset="0"/>
-              <a:buChar char="•"/>
-            </a:pPr>
-            <a:r>
-              <a:rPr lang="en-US" sz="2000" dirty="0"/>
-              <a:t>Its role as an interface between Tableau and Spark ensures seamless data transfer and integration, empowering our analytics dashboard to deliver actionable insights from e-commerce data.</a:t>
-            </a:r>
-          </a:p>
-          <a:p>
-            <a:endParaRPr lang="en-US" sz="2000" dirty="0"/>
-          </a:p>
-          <a:p>
-            <a:br>
-              <a:rPr lang="en-US" sz="2000" dirty="0"/>
-            </a:br>
-            <a:endParaRPr lang="en-US" sz="2000" dirty="0"/>
-          </a:p>
-        </p:txBody>
-      </p:sp>
+      </p:pic>
     </p:spTree>
     <p:extLst>
       <p:ext uri="{BB962C8B-B14F-4D97-AF65-F5344CB8AC3E}">
-        <p14:creationId xmlns:p14="http://schemas.microsoft.com/office/powerpoint/2010/main" val="2215877317"/>
+        <p14:creationId xmlns:p14="http://schemas.microsoft.com/office/powerpoint/2010/main" val="3751961645"/>
       </p:ext>
     </p:extLst>
   </p:cSld>
@@ -8371,129 +7443,82 @@
       </p:grpSpPr>
       <p:sp>
         <p:nvSpPr>
-          <p:cNvPr id="2" name="Rectangle 1">
-            <a:extLst>
-              <a:ext uri="{FF2B5EF4-FFF2-40B4-BE49-F238E27FC236}">
-                <a16:creationId xmlns:a16="http://schemas.microsoft.com/office/drawing/2014/main" id="{44BC8969-CCFA-45BB-8EA9-2184C286159C}"/>
-              </a:ext>
-            </a:extLst>
-          </p:cNvPr>
-          <p:cNvSpPr/>
+          <p:cNvPr id="2" name="TextBox 1">
+            <a:extLst>
+              <a:ext uri="{FF2B5EF4-FFF2-40B4-BE49-F238E27FC236}">
+                <a16:creationId xmlns:a16="http://schemas.microsoft.com/office/drawing/2014/main" id="{A8D1A953-DA81-4544-B9CA-F972FB5CBCBB}"/>
+              </a:ext>
+            </a:extLst>
+          </p:cNvPr>
+          <p:cNvSpPr txBox="1"/>
           <p:nvPr/>
         </p:nvSpPr>
         <p:spPr>
           <a:xfrm>
-            <a:off x="654754" y="476816"/>
-            <a:ext cx="10803468" cy="6247864"/>
+            <a:off x="383823" y="530578"/>
+            <a:ext cx="7360356" cy="646331"/>
+          </a:xfrm>
+          <a:prstGeom prst="rect">
+            <a:avLst/>
+          </a:prstGeom>
+          <a:noFill/>
+        </p:spPr>
+        <p:txBody>
+          <a:bodyPr wrap="square" rtlCol="0">
+            <a:spAutoFit/>
+          </a:bodyPr>
+          <a:lstStyle/>
+          <a:p>
+            <a:r>
+              <a:rPr lang="en-US" b="1" dirty="0"/>
+              <a:t>Product Views Dataset:-</a:t>
+            </a:r>
+          </a:p>
+          <a:p>
+            <a:endParaRPr lang="en-US" dirty="0"/>
+          </a:p>
+        </p:txBody>
+      </p:sp>
+      <p:pic>
+        <p:nvPicPr>
+          <p:cNvPr id="3" name="Picture 2">
+            <a:extLst>
+              <a:ext uri="{FF2B5EF4-FFF2-40B4-BE49-F238E27FC236}">
+                <a16:creationId xmlns:a16="http://schemas.microsoft.com/office/drawing/2014/main" id="{B47E163B-CCF6-47C8-A3C8-05B64D7D7FB0}"/>
+              </a:ext>
+            </a:extLst>
+          </p:cNvPr>
+          <p:cNvPicPr>
+            <a:picLocks noChangeAspect="1"/>
+          </p:cNvPicPr>
+          <p:nvPr/>
+        </p:nvPicPr>
+        <p:blipFill>
+          <a:blip r:embed="rId2">
+            <a:extLst>
+              <a:ext uri="{28A0092B-C50C-407E-A947-70E740481C1C}">
+                <a14:useLocalDpi xmlns:a14="http://schemas.microsoft.com/office/drawing/2010/main" val="0"/>
+              </a:ext>
+            </a:extLst>
+          </a:blip>
+          <a:stretch>
+            <a:fillRect/>
+          </a:stretch>
+        </p:blipFill>
+        <p:spPr>
+          <a:xfrm>
+            <a:off x="519290" y="1289747"/>
+            <a:ext cx="11355385" cy="2977504"/>
           </a:xfrm>
           <a:prstGeom prst="rect">
             <a:avLst/>
           </a:prstGeom>
         </p:spPr>
-        <p:txBody>
-          <a:bodyPr wrap="square">
-            <a:spAutoFit/>
-          </a:bodyPr>
-          <a:lstStyle/>
-          <a:p>
-            <a:r>
-              <a:rPr lang="en-US" sz="2000" b="1" dirty="0"/>
-              <a:t>Tableau:</a:t>
-            </a:r>
-            <a:endParaRPr lang="en-US" dirty="0"/>
-          </a:p>
-          <a:p>
-            <a:pPr marL="800100" lvl="1" indent="-342900">
-              <a:buFont typeface="Arial" panose="020B0604020202020204" pitchFamily="34" charset="0"/>
-              <a:buChar char="•"/>
-            </a:pPr>
-            <a:r>
-              <a:rPr lang="en-US" sz="2000" dirty="0"/>
-              <a:t>Tableau emerges as a powerful business intelligence tool, driving insightful visualization and analysis of e-commerce data within our analytics dashboard.</a:t>
-            </a:r>
-          </a:p>
-          <a:p>
-            <a:pPr marL="800100" lvl="1" indent="-342900">
-              <a:buFont typeface="Arial" panose="020B0604020202020204" pitchFamily="34" charset="0"/>
-              <a:buChar char="•"/>
-            </a:pPr>
-            <a:r>
-              <a:rPr lang="en-US" sz="2000" dirty="0"/>
-              <a:t>Tableau stands out as a leading business intelligence and analytics platform, renowned for its intuitive user interface and robust visualization capabilities.</a:t>
-            </a:r>
-          </a:p>
-          <a:p>
-            <a:pPr marL="800100" lvl="1" indent="-342900">
-              <a:buFont typeface="Arial" panose="020B0604020202020204" pitchFamily="34" charset="0"/>
-              <a:buChar char="•"/>
-            </a:pPr>
-            <a:r>
-              <a:rPr lang="en-US" sz="2000" dirty="0"/>
-              <a:t>With Tableau, users can effortlessly create interactive dashboards, reports, and visualizations, enabling data-driven decision-making across organizations.</a:t>
-            </a:r>
-          </a:p>
-          <a:p>
-            <a:pPr marL="800100" lvl="1" indent="-342900">
-              <a:buFont typeface="Arial" panose="020B0604020202020204" pitchFamily="34" charset="0"/>
-              <a:buChar char="•"/>
-            </a:pPr>
-            <a:r>
-              <a:rPr lang="en-US" sz="2000" dirty="0"/>
-              <a:t>Tableau facilitates real-time visualization of crucial key performance indicators (KPIs) extracted from e-commerce data streams.</a:t>
-            </a:r>
-          </a:p>
-          <a:p>
-            <a:pPr marL="800100" lvl="1" indent="-342900">
-              <a:buFont typeface="Arial" panose="020B0604020202020204" pitchFamily="34" charset="0"/>
-              <a:buChar char="•"/>
-            </a:pPr>
-            <a:r>
-              <a:rPr lang="en-US" sz="2000" dirty="0"/>
-              <a:t>Tableau's dynamic and interactive dashboards provide a rich and immersive experience for users, allowing them to explore and interact with data dynamically.</a:t>
-            </a:r>
-          </a:p>
-          <a:p>
-            <a:pPr marL="800100" lvl="1" indent="-342900">
-              <a:buFont typeface="Arial" panose="020B0604020202020204" pitchFamily="34" charset="0"/>
-              <a:buChar char="•"/>
-            </a:pPr>
-            <a:r>
-              <a:rPr lang="en-US" sz="2000" dirty="0"/>
-              <a:t>Users can drill down into specific data points, filter datasets based on various criteria, and uncover hidden insights through interactive data exploration.</a:t>
-            </a:r>
-          </a:p>
-          <a:p>
-            <a:pPr marL="800100" lvl="1" indent="-342900">
-              <a:buFont typeface="Arial" panose="020B0604020202020204" pitchFamily="34" charset="0"/>
-              <a:buChar char="•"/>
-            </a:pPr>
-            <a:r>
-              <a:rPr lang="en-US" sz="2000" dirty="0"/>
-              <a:t>By visualizing complex data patterns and trends in an intuitive manner, Tableau facilitates rapid decision-making and strategy formulation.</a:t>
-            </a:r>
-          </a:p>
-          <a:p>
-            <a:pPr marL="800100" lvl="1" indent="-342900">
-              <a:buFont typeface="Arial" panose="020B0604020202020204" pitchFamily="34" charset="0"/>
-              <a:buChar char="•"/>
-            </a:pPr>
-            <a:r>
-              <a:rPr lang="en-US" sz="2000" dirty="0"/>
-              <a:t>Its real-time visualization capabilities, coupled with dynamic and interactive dashboards, enable stakeholders to make data-driven decisions with confidence, driving business growth and success.</a:t>
-            </a:r>
-          </a:p>
-          <a:p>
-            <a:br>
-              <a:rPr lang="en-US" sz="2000" dirty="0"/>
-            </a:br>
-            <a:endParaRPr lang="en-US" sz="2000" dirty="0"/>
-          </a:p>
-        </p:txBody>
-      </p:sp>
+      </p:pic>
     </p:spTree>
     <p:extLst>
       <p:ext uri="{BB962C8B-B14F-4D97-AF65-F5344CB8AC3E}">
-        <p14:creationId xmlns:p14="http://schemas.microsoft.com/office/powerpoint/2010/main" val="2312755725"/>
+        <p14:creationId xmlns:p14="http://schemas.microsoft.com/office/powerpoint/2010/main" val="1376079803"/>
       </p:ext>
     </p:extLst>
   </p:cSld>
@@ -8520,12 +7545,429 @@
           <a:chExt cx="0" cy="0"/>
         </a:xfrm>
       </p:grpSpPr>
+      <p:pic>
+        <p:nvPicPr>
+          <p:cNvPr id="9" name="Picture 8">
+            <a:extLst>
+              <a:ext uri="{FF2B5EF4-FFF2-40B4-BE49-F238E27FC236}">
+                <a16:creationId xmlns:a16="http://schemas.microsoft.com/office/drawing/2014/main" id="{FC858F9A-3BDC-ABE1-8967-AD9A77482842}"/>
+              </a:ext>
+            </a:extLst>
+          </p:cNvPr>
+          <p:cNvPicPr>
+            <a:picLocks noChangeAspect="1"/>
+          </p:cNvPicPr>
+          <p:nvPr/>
+        </p:nvPicPr>
+        <p:blipFill>
+          <a:blip r:embed="rId2">
+            <a:extLst>
+              <a:ext uri="{28A0092B-C50C-407E-A947-70E740481C1C}">
+                <a14:useLocalDpi xmlns:a14="http://schemas.microsoft.com/office/drawing/2010/main" val="0"/>
+              </a:ext>
+            </a:extLst>
+          </a:blip>
+          <a:stretch>
+            <a:fillRect/>
+          </a:stretch>
+        </p:blipFill>
+        <p:spPr>
+          <a:xfrm>
+            <a:off x="6952423" y="707331"/>
+            <a:ext cx="1515717" cy="1240735"/>
+          </a:xfrm>
+          <a:prstGeom prst="rect">
+            <a:avLst/>
+          </a:prstGeom>
+        </p:spPr>
+      </p:pic>
+      <p:pic>
+        <p:nvPicPr>
+          <p:cNvPr id="11" name="Picture 10">
+            <a:extLst>
+              <a:ext uri="{FF2B5EF4-FFF2-40B4-BE49-F238E27FC236}">
+                <a16:creationId xmlns:a16="http://schemas.microsoft.com/office/drawing/2014/main" id="{FC914454-3092-88C9-2076-54747AB0C52D}"/>
+              </a:ext>
+            </a:extLst>
+          </p:cNvPr>
+          <p:cNvPicPr>
+            <a:picLocks noChangeAspect="1"/>
+          </p:cNvPicPr>
+          <p:nvPr/>
+        </p:nvPicPr>
+        <p:blipFill>
+          <a:blip r:embed="rId3">
+            <a:extLst>
+              <a:ext uri="{28A0092B-C50C-407E-A947-70E740481C1C}">
+                <a14:useLocalDpi xmlns:a14="http://schemas.microsoft.com/office/drawing/2010/main" val="0"/>
+              </a:ext>
+            </a:extLst>
+          </a:blip>
+          <a:stretch>
+            <a:fillRect/>
+          </a:stretch>
+        </p:blipFill>
+        <p:spPr>
+          <a:xfrm>
+            <a:off x="3510169" y="767795"/>
+            <a:ext cx="1393135" cy="1119807"/>
+          </a:xfrm>
+          <a:prstGeom prst="rect">
+            <a:avLst/>
+          </a:prstGeom>
+        </p:spPr>
+      </p:pic>
+      <p:pic>
+        <p:nvPicPr>
+          <p:cNvPr id="13" name="Picture 12">
+            <a:extLst>
+              <a:ext uri="{FF2B5EF4-FFF2-40B4-BE49-F238E27FC236}">
+                <a16:creationId xmlns:a16="http://schemas.microsoft.com/office/drawing/2014/main" id="{C10C6FA9-0186-D31F-9DFA-C3878D355396}"/>
+              </a:ext>
+            </a:extLst>
+          </p:cNvPr>
+          <p:cNvPicPr>
+            <a:picLocks noChangeAspect="1"/>
+          </p:cNvPicPr>
+          <p:nvPr/>
+        </p:nvPicPr>
+        <p:blipFill>
+          <a:blip r:embed="rId4">
+            <a:extLst>
+              <a:ext uri="{28A0092B-C50C-407E-A947-70E740481C1C}">
+                <a14:useLocalDpi xmlns:a14="http://schemas.microsoft.com/office/drawing/2010/main" val="0"/>
+              </a:ext>
+            </a:extLst>
+          </a:blip>
+          <a:stretch>
+            <a:fillRect/>
+          </a:stretch>
+        </p:blipFill>
+        <p:spPr>
+          <a:xfrm>
+            <a:off x="8622587" y="5036247"/>
+            <a:ext cx="1515717" cy="1353873"/>
+          </a:xfrm>
+          <a:prstGeom prst="rect">
+            <a:avLst/>
+          </a:prstGeom>
+        </p:spPr>
+      </p:pic>
+      <p:pic>
+        <p:nvPicPr>
+          <p:cNvPr id="15" name="Picture 14">
+            <a:extLst>
+              <a:ext uri="{FF2B5EF4-FFF2-40B4-BE49-F238E27FC236}">
+                <a16:creationId xmlns:a16="http://schemas.microsoft.com/office/drawing/2014/main" id="{0428C664-1832-1C97-2230-50532EE94DAF}"/>
+              </a:ext>
+            </a:extLst>
+          </p:cNvPr>
+          <p:cNvPicPr>
+            <a:picLocks noChangeAspect="1"/>
+          </p:cNvPicPr>
+          <p:nvPr/>
+        </p:nvPicPr>
+        <p:blipFill>
+          <a:blip r:embed="rId5">
+            <a:extLst>
+              <a:ext uri="{28A0092B-C50C-407E-A947-70E740481C1C}">
+                <a14:useLocalDpi xmlns:a14="http://schemas.microsoft.com/office/drawing/2010/main" val="0"/>
+              </a:ext>
+            </a:extLst>
+          </a:blip>
+          <a:stretch>
+            <a:fillRect/>
+          </a:stretch>
+        </p:blipFill>
+        <p:spPr>
+          <a:xfrm>
+            <a:off x="5315765" y="5062730"/>
+            <a:ext cx="1704796" cy="1513555"/>
+          </a:xfrm>
+          <a:prstGeom prst="rect">
+            <a:avLst/>
+          </a:prstGeom>
+        </p:spPr>
+      </p:pic>
+      <p:pic>
+        <p:nvPicPr>
+          <p:cNvPr id="19" name="Picture 18">
+            <a:extLst>
+              <a:ext uri="{FF2B5EF4-FFF2-40B4-BE49-F238E27FC236}">
+                <a16:creationId xmlns:a16="http://schemas.microsoft.com/office/drawing/2014/main" id="{97297D9C-F5BE-1047-73EC-00E36BA6B5A9}"/>
+              </a:ext>
+            </a:extLst>
+          </p:cNvPr>
+          <p:cNvPicPr>
+            <a:picLocks noChangeAspect="1"/>
+          </p:cNvPicPr>
+          <p:nvPr/>
+        </p:nvPicPr>
+        <p:blipFill>
+          <a:blip r:embed="rId6">
+            <a:extLst>
+              <a:ext uri="{28A0092B-C50C-407E-A947-70E740481C1C}">
+                <a14:useLocalDpi xmlns:a14="http://schemas.microsoft.com/office/drawing/2010/main" val="0"/>
+              </a:ext>
+            </a:extLst>
+          </a:blip>
+          <a:stretch>
+            <a:fillRect/>
+          </a:stretch>
+        </p:blipFill>
+        <p:spPr>
+          <a:xfrm>
+            <a:off x="9748629" y="2905464"/>
+            <a:ext cx="1393135" cy="1145618"/>
+          </a:xfrm>
+          <a:prstGeom prst="rect">
+            <a:avLst/>
+          </a:prstGeom>
+        </p:spPr>
+      </p:pic>
+      <p:pic>
+        <p:nvPicPr>
+          <p:cNvPr id="27" name="Picture 26">
+            <a:extLst>
+              <a:ext uri="{FF2B5EF4-FFF2-40B4-BE49-F238E27FC236}">
+                <a16:creationId xmlns:a16="http://schemas.microsoft.com/office/drawing/2014/main" id="{6E9D3ED9-B2C4-1113-C82C-A354138DEF1C}"/>
+              </a:ext>
+            </a:extLst>
+          </p:cNvPr>
+          <p:cNvPicPr>
+            <a:picLocks noChangeAspect="1"/>
+          </p:cNvPicPr>
+          <p:nvPr/>
+        </p:nvPicPr>
+        <p:blipFill>
+          <a:blip r:embed="rId7">
+            <a:extLst>
+              <a:ext uri="{28A0092B-C50C-407E-A947-70E740481C1C}">
+                <a14:useLocalDpi xmlns:a14="http://schemas.microsoft.com/office/drawing/2010/main" val="0"/>
+              </a:ext>
+            </a:extLst>
+          </a:blip>
+          <a:stretch>
+            <a:fillRect/>
+          </a:stretch>
+        </p:blipFill>
+        <p:spPr>
+          <a:xfrm>
+            <a:off x="907570" y="2766391"/>
+            <a:ext cx="1393135" cy="1325218"/>
+          </a:xfrm>
+          <a:prstGeom prst="rect">
+            <a:avLst/>
+          </a:prstGeom>
+        </p:spPr>
+      </p:pic>
+      <p:cxnSp>
+        <p:nvCxnSpPr>
+          <p:cNvPr id="29" name="Straight Arrow Connector 28">
+            <a:extLst>
+              <a:ext uri="{FF2B5EF4-FFF2-40B4-BE49-F238E27FC236}">
+                <a16:creationId xmlns:a16="http://schemas.microsoft.com/office/drawing/2014/main" id="{F9FF5A9D-3EE5-8AD1-722B-55B33096A064}"/>
+              </a:ext>
+            </a:extLst>
+          </p:cNvPr>
+          <p:cNvCxnSpPr>
+            <a:cxnSpLocks/>
+            <a:stCxn id="11" idx="3"/>
+            <a:endCxn id="9" idx="1"/>
+          </p:cNvCxnSpPr>
+          <p:nvPr/>
+        </p:nvCxnSpPr>
+        <p:spPr>
+          <a:xfrm>
+            <a:off x="4903304" y="1327699"/>
+            <a:ext cx="2049119" cy="0"/>
+          </a:xfrm>
+          <a:prstGeom prst="straightConnector1">
+            <a:avLst/>
+          </a:prstGeom>
+          <a:ln>
+            <a:tailEnd type="triangle"/>
+          </a:ln>
+        </p:spPr>
+        <p:style>
+          <a:lnRef idx="1">
+            <a:schemeClr val="accent1"/>
+          </a:lnRef>
+          <a:fillRef idx="0">
+            <a:schemeClr val="accent1"/>
+          </a:fillRef>
+          <a:effectRef idx="0">
+            <a:schemeClr val="accent1"/>
+          </a:effectRef>
+          <a:fontRef idx="minor">
+            <a:schemeClr val="tx1"/>
+          </a:fontRef>
+        </p:style>
+      </p:cxnSp>
+      <p:cxnSp>
+        <p:nvCxnSpPr>
+          <p:cNvPr id="38" name="Straight Arrow Connector 37">
+            <a:extLst>
+              <a:ext uri="{FF2B5EF4-FFF2-40B4-BE49-F238E27FC236}">
+                <a16:creationId xmlns:a16="http://schemas.microsoft.com/office/drawing/2014/main" id="{21BC6A9C-41C9-0B7A-4DED-4BDC5A1D4F8F}"/>
+              </a:ext>
+            </a:extLst>
+          </p:cNvPr>
+          <p:cNvCxnSpPr>
+            <a:cxnSpLocks/>
+          </p:cNvCxnSpPr>
+          <p:nvPr/>
+        </p:nvCxnSpPr>
+        <p:spPr>
+          <a:xfrm>
+            <a:off x="10445197" y="1327698"/>
+            <a:ext cx="0" cy="1614285"/>
+          </a:xfrm>
+          <a:prstGeom prst="straightConnector1">
+            <a:avLst/>
+          </a:prstGeom>
+          <a:ln>
+            <a:tailEnd type="triangle"/>
+          </a:ln>
+        </p:spPr>
+        <p:style>
+          <a:lnRef idx="1">
+            <a:schemeClr val="accent1"/>
+          </a:lnRef>
+          <a:fillRef idx="0">
+            <a:schemeClr val="accent1"/>
+          </a:fillRef>
+          <a:effectRef idx="0">
+            <a:schemeClr val="accent1"/>
+          </a:effectRef>
+          <a:fontRef idx="minor">
+            <a:schemeClr val="tx1"/>
+          </a:fontRef>
+        </p:style>
+      </p:cxnSp>
+      <p:cxnSp>
+        <p:nvCxnSpPr>
+          <p:cNvPr id="40" name="Straight Connector 39">
+            <a:extLst>
+              <a:ext uri="{FF2B5EF4-FFF2-40B4-BE49-F238E27FC236}">
+                <a16:creationId xmlns:a16="http://schemas.microsoft.com/office/drawing/2014/main" id="{B0D4E197-C71C-69A2-0D56-1432F3E0951D}"/>
+              </a:ext>
+            </a:extLst>
+          </p:cNvPr>
+          <p:cNvCxnSpPr>
+            <a:stCxn id="9" idx="3"/>
+          </p:cNvCxnSpPr>
+          <p:nvPr/>
+        </p:nvCxnSpPr>
+        <p:spPr>
+          <a:xfrm flipV="1">
+            <a:off x="8468140" y="1327698"/>
+            <a:ext cx="1977057" cy="1"/>
+          </a:xfrm>
+          <a:prstGeom prst="line">
+            <a:avLst/>
+          </a:prstGeom>
+        </p:spPr>
+        <p:style>
+          <a:lnRef idx="1">
+            <a:schemeClr val="accent1"/>
+          </a:lnRef>
+          <a:fillRef idx="0">
+            <a:schemeClr val="accent1"/>
+          </a:fillRef>
+          <a:effectRef idx="0">
+            <a:schemeClr val="accent1"/>
+          </a:effectRef>
+          <a:fontRef idx="minor">
+            <a:schemeClr val="tx1"/>
+          </a:fontRef>
+        </p:style>
+      </p:cxnSp>
+      <p:cxnSp>
+        <p:nvCxnSpPr>
+          <p:cNvPr id="43" name="Straight Connector 42">
+            <a:extLst>
+              <a:ext uri="{FF2B5EF4-FFF2-40B4-BE49-F238E27FC236}">
+                <a16:creationId xmlns:a16="http://schemas.microsoft.com/office/drawing/2014/main" id="{5DF4640E-9E17-000E-CCF0-EAF1125FCDF1}"/>
+              </a:ext>
+            </a:extLst>
+          </p:cNvPr>
+          <p:cNvCxnSpPr>
+            <a:cxnSpLocks/>
+          </p:cNvCxnSpPr>
+          <p:nvPr/>
+        </p:nvCxnSpPr>
+        <p:spPr>
+          <a:xfrm>
+            <a:off x="10445197" y="4373299"/>
+            <a:ext cx="0" cy="1353875"/>
+          </a:xfrm>
+          <a:prstGeom prst="line">
+            <a:avLst/>
+          </a:prstGeom>
+        </p:spPr>
+        <p:style>
+          <a:lnRef idx="1">
+            <a:schemeClr val="accent1"/>
+          </a:lnRef>
+          <a:fillRef idx="0">
+            <a:schemeClr val="accent1"/>
+          </a:fillRef>
+          <a:effectRef idx="0">
+            <a:schemeClr val="accent1"/>
+          </a:effectRef>
+          <a:fontRef idx="minor">
+            <a:schemeClr val="tx1"/>
+          </a:fontRef>
+        </p:style>
+      </p:cxnSp>
+      <p:cxnSp>
+        <p:nvCxnSpPr>
+          <p:cNvPr id="47" name="Straight Arrow Connector 46">
+            <a:extLst>
+              <a:ext uri="{FF2B5EF4-FFF2-40B4-BE49-F238E27FC236}">
+                <a16:creationId xmlns:a16="http://schemas.microsoft.com/office/drawing/2014/main" id="{DEB79567-9461-EAB4-1B45-CCA85FA8DE7B}"/>
+              </a:ext>
+            </a:extLst>
+          </p:cNvPr>
+          <p:cNvCxnSpPr>
+            <a:endCxn id="15" idx="3"/>
+          </p:cNvCxnSpPr>
+          <p:nvPr/>
+        </p:nvCxnSpPr>
+        <p:spPr>
+          <a:xfrm flipH="1">
+            <a:off x="7020561" y="5819507"/>
+            <a:ext cx="1570975" cy="1"/>
+          </a:xfrm>
+          <a:prstGeom prst="straightConnector1">
+            <a:avLst/>
+          </a:prstGeom>
+          <a:ln>
+            <a:tailEnd type="triangle"/>
+          </a:ln>
+        </p:spPr>
+        <p:style>
+          <a:lnRef idx="1">
+            <a:schemeClr val="accent1"/>
+          </a:lnRef>
+          <a:fillRef idx="0">
+            <a:schemeClr val="accent1"/>
+          </a:fillRef>
+          <a:effectRef idx="0">
+            <a:schemeClr val="accent1"/>
+          </a:effectRef>
+          <a:fontRef idx="minor">
+            <a:schemeClr val="tx1"/>
+          </a:fontRef>
+        </p:style>
+      </p:cxnSp>
       <p:sp>
         <p:nvSpPr>
-          <p:cNvPr id="60" name="TextBox 59">
-            <a:extLst>
-              <a:ext uri="{FF2B5EF4-FFF2-40B4-BE49-F238E27FC236}">
-                <a16:creationId xmlns:a16="http://schemas.microsoft.com/office/drawing/2014/main" id="{C8BB309C-E070-DDAF-940A-59C4395AF02C}"/>
+          <p:cNvPr id="57" name="TextBox 56">
+            <a:extLst>
+              <a:ext uri="{FF2B5EF4-FFF2-40B4-BE49-F238E27FC236}">
+                <a16:creationId xmlns:a16="http://schemas.microsoft.com/office/drawing/2014/main" id="{0EC8F2D2-DD5E-80DF-A821-19B9DFEF5647}"/>
               </a:ext>
             </a:extLst>
           </p:cNvPr>
@@ -8534,8 +7976,553 @@
         </p:nvSpPr>
         <p:spPr>
           <a:xfrm>
-            <a:off x="725733" y="234782"/>
-            <a:ext cx="10523266" cy="523220"/>
+            <a:off x="2772625" y="1960891"/>
+            <a:ext cx="2868221" cy="523220"/>
+          </a:xfrm>
+          <a:prstGeom prst="rect">
+            <a:avLst/>
+          </a:prstGeom>
+          <a:noFill/>
+        </p:spPr>
+        <p:txBody>
+          <a:bodyPr wrap="none" rtlCol="0">
+            <a:spAutoFit/>
+          </a:bodyPr>
+          <a:lstStyle/>
+          <a:p>
+            <a:r>
+              <a:rPr lang="en-US" sz="1400" dirty="0"/>
+              <a:t>Utilize Python Faker to create </a:t>
+            </a:r>
+          </a:p>
+          <a:p>
+            <a:r>
+              <a:rPr lang="en-US" sz="1400" dirty="0"/>
+              <a:t>Realistic  synthetic E-Commerce data</a:t>
+            </a:r>
+            <a:endParaRPr lang="en-IN" sz="1400" dirty="0"/>
+          </a:p>
+        </p:txBody>
+      </p:sp>
+      <p:sp>
+        <p:nvSpPr>
+          <p:cNvPr id="58" name="TextBox 57">
+            <a:extLst>
+              <a:ext uri="{FF2B5EF4-FFF2-40B4-BE49-F238E27FC236}">
+                <a16:creationId xmlns:a16="http://schemas.microsoft.com/office/drawing/2014/main" id="{F08DC0A8-D3E2-BCBA-6D2B-046377D3B20C}"/>
+              </a:ext>
+            </a:extLst>
+          </p:cNvPr>
+          <p:cNvSpPr txBox="1"/>
+          <p:nvPr/>
+        </p:nvSpPr>
+        <p:spPr>
+          <a:xfrm>
+            <a:off x="6551156" y="1984750"/>
+            <a:ext cx="2599238" cy="523220"/>
+          </a:xfrm>
+          <a:prstGeom prst="rect">
+            <a:avLst/>
+          </a:prstGeom>
+          <a:noFill/>
+        </p:spPr>
+        <p:txBody>
+          <a:bodyPr wrap="none" rtlCol="0">
+            <a:spAutoFit/>
+          </a:bodyPr>
+          <a:lstStyle/>
+          <a:p>
+            <a:r>
+              <a:rPr lang="en-US" sz="1400" dirty="0"/>
+              <a:t>Python Scripts generates diverse </a:t>
+            </a:r>
+          </a:p>
+          <a:p>
+            <a:r>
+              <a:rPr lang="en-US" sz="1400" dirty="0"/>
+              <a:t>E-Commerce Data</a:t>
+            </a:r>
+            <a:endParaRPr lang="en-IN" sz="1400" dirty="0"/>
+          </a:p>
+        </p:txBody>
+      </p:sp>
+      <p:sp>
+        <p:nvSpPr>
+          <p:cNvPr id="60" name="TextBox 59">
+            <a:extLst>
+              <a:ext uri="{FF2B5EF4-FFF2-40B4-BE49-F238E27FC236}">
+                <a16:creationId xmlns:a16="http://schemas.microsoft.com/office/drawing/2014/main" id="{72F3C7D7-8848-CDC7-FD52-1A80B019EB16}"/>
+              </a:ext>
+            </a:extLst>
+          </p:cNvPr>
+          <p:cNvSpPr txBox="1"/>
+          <p:nvPr/>
+        </p:nvSpPr>
+        <p:spPr>
+          <a:xfrm>
+            <a:off x="9454912" y="4022204"/>
+            <a:ext cx="1991699" cy="307777"/>
+          </a:xfrm>
+          <a:prstGeom prst="rect">
+            <a:avLst/>
+          </a:prstGeom>
+          <a:noFill/>
+        </p:spPr>
+        <p:txBody>
+          <a:bodyPr wrap="none" rtlCol="0">
+            <a:spAutoFit/>
+          </a:bodyPr>
+          <a:lstStyle/>
+          <a:p>
+            <a:r>
+              <a:rPr lang="en-US" sz="1400" dirty="0"/>
+              <a:t>Stores data in MongoDB </a:t>
+            </a:r>
+            <a:endParaRPr lang="en-IN" sz="1400" dirty="0"/>
+          </a:p>
+        </p:txBody>
+      </p:sp>
+      <p:sp>
+        <p:nvSpPr>
+          <p:cNvPr id="63" name="TextBox 62">
+            <a:extLst>
+              <a:ext uri="{FF2B5EF4-FFF2-40B4-BE49-F238E27FC236}">
+                <a16:creationId xmlns:a16="http://schemas.microsoft.com/office/drawing/2014/main" id="{3FE77532-330E-D91C-A5A1-B37B1444127C}"/>
+              </a:ext>
+            </a:extLst>
+          </p:cNvPr>
+          <p:cNvSpPr txBox="1"/>
+          <p:nvPr/>
+        </p:nvSpPr>
+        <p:spPr>
+          <a:xfrm>
+            <a:off x="4516121" y="6223012"/>
+            <a:ext cx="3480376" cy="307777"/>
+          </a:xfrm>
+          <a:prstGeom prst="rect">
+            <a:avLst/>
+          </a:prstGeom>
+          <a:noFill/>
+        </p:spPr>
+        <p:txBody>
+          <a:bodyPr wrap="none" rtlCol="0">
+            <a:spAutoFit/>
+          </a:bodyPr>
+          <a:lstStyle/>
+          <a:p>
+            <a:r>
+              <a:rPr lang="en-US" sz="1400" dirty="0" err="1"/>
+              <a:t>PySpark</a:t>
+            </a:r>
+            <a:r>
+              <a:rPr lang="en-US" sz="1400" dirty="0"/>
+              <a:t> consumes the data from </a:t>
+            </a:r>
+            <a:r>
+              <a:rPr lang="en-US" sz="1400" dirty="0" err="1"/>
+              <a:t>kafka</a:t>
+            </a:r>
+            <a:r>
+              <a:rPr lang="en-US" sz="1400" dirty="0"/>
+              <a:t> topics</a:t>
+            </a:r>
+            <a:endParaRPr lang="en-IN" sz="1400" dirty="0"/>
+          </a:p>
+        </p:txBody>
+      </p:sp>
+      <p:sp>
+        <p:nvSpPr>
+          <p:cNvPr id="79" name="TextBox 78">
+            <a:extLst>
+              <a:ext uri="{FF2B5EF4-FFF2-40B4-BE49-F238E27FC236}">
+                <a16:creationId xmlns:a16="http://schemas.microsoft.com/office/drawing/2014/main" id="{D2B252D3-CCF0-9C7C-C4E5-9A394DF5E1B4}"/>
+              </a:ext>
+            </a:extLst>
+          </p:cNvPr>
+          <p:cNvSpPr txBox="1"/>
+          <p:nvPr/>
+        </p:nvSpPr>
+        <p:spPr>
+          <a:xfrm>
+            <a:off x="2278351" y="6268507"/>
+            <a:ext cx="1446806" cy="307777"/>
+          </a:xfrm>
+          <a:prstGeom prst="rect">
+            <a:avLst/>
+          </a:prstGeom>
+          <a:noFill/>
+        </p:spPr>
+        <p:txBody>
+          <a:bodyPr wrap="none" rtlCol="0">
+            <a:spAutoFit/>
+          </a:bodyPr>
+          <a:lstStyle/>
+          <a:p>
+            <a:r>
+              <a:rPr lang="en-US" sz="1400" dirty="0"/>
+              <a:t>Transaction Data </a:t>
+            </a:r>
+            <a:endParaRPr lang="en-IN" sz="1400" dirty="0"/>
+          </a:p>
+        </p:txBody>
+      </p:sp>
+      <p:sp>
+        <p:nvSpPr>
+          <p:cNvPr id="80" name="TextBox 79">
+            <a:extLst>
+              <a:ext uri="{FF2B5EF4-FFF2-40B4-BE49-F238E27FC236}">
+                <a16:creationId xmlns:a16="http://schemas.microsoft.com/office/drawing/2014/main" id="{7A6EC7E4-FD3F-3BB6-871A-B4B4BCF738BA}"/>
+              </a:ext>
+            </a:extLst>
+          </p:cNvPr>
+          <p:cNvSpPr txBox="1"/>
+          <p:nvPr/>
+        </p:nvSpPr>
+        <p:spPr>
+          <a:xfrm>
+            <a:off x="425231" y="4163647"/>
+            <a:ext cx="1127425" cy="738664"/>
+          </a:xfrm>
+          <a:prstGeom prst="rect">
+            <a:avLst/>
+          </a:prstGeom>
+          <a:noFill/>
+        </p:spPr>
+        <p:txBody>
+          <a:bodyPr wrap="none" rtlCol="0">
+            <a:spAutoFit/>
+          </a:bodyPr>
+          <a:lstStyle/>
+          <a:p>
+            <a:r>
+              <a:rPr lang="en-US" sz="1400" dirty="0"/>
+              <a:t>Tableau for </a:t>
+            </a:r>
+          </a:p>
+          <a:p>
+            <a:r>
+              <a:rPr lang="en-US" sz="1400" dirty="0"/>
+              <a:t>visualization </a:t>
+            </a:r>
+          </a:p>
+          <a:p>
+            <a:r>
+              <a:rPr lang="en-US" sz="1400" dirty="0"/>
+              <a:t> and graphs</a:t>
+            </a:r>
+            <a:endParaRPr lang="en-IN" sz="1400" dirty="0"/>
+          </a:p>
+        </p:txBody>
+      </p:sp>
+      <p:sp>
+        <p:nvSpPr>
+          <p:cNvPr id="81" name="TextBox 80">
+            <a:extLst>
+              <a:ext uri="{FF2B5EF4-FFF2-40B4-BE49-F238E27FC236}">
+                <a16:creationId xmlns:a16="http://schemas.microsoft.com/office/drawing/2014/main" id="{A32BE7AE-8307-B7DC-ECD3-530C8DDF1812}"/>
+              </a:ext>
+            </a:extLst>
+          </p:cNvPr>
+          <p:cNvSpPr txBox="1"/>
+          <p:nvPr/>
+        </p:nvSpPr>
+        <p:spPr>
+          <a:xfrm>
+            <a:off x="4040692" y="43978"/>
+            <a:ext cx="4581895" cy="461665"/>
+          </a:xfrm>
+          <a:prstGeom prst="rect">
+            <a:avLst/>
+          </a:prstGeom>
+          <a:noFill/>
+        </p:spPr>
+        <p:txBody>
+          <a:bodyPr wrap="none" rtlCol="0">
+            <a:spAutoFit/>
+          </a:bodyPr>
+          <a:lstStyle/>
+          <a:p>
+            <a:r>
+              <a:rPr lang="en-US" sz="2400" b="1" dirty="0"/>
+              <a:t>Real Time E-Commerce Dashboard</a:t>
+            </a:r>
+            <a:endParaRPr lang="en-IN" sz="2400" b="1" dirty="0"/>
+          </a:p>
+        </p:txBody>
+      </p:sp>
+      <p:cxnSp>
+        <p:nvCxnSpPr>
+          <p:cNvPr id="4" name="Straight Arrow Connector 3">
+            <a:extLst>
+              <a:ext uri="{FF2B5EF4-FFF2-40B4-BE49-F238E27FC236}">
+                <a16:creationId xmlns:a16="http://schemas.microsoft.com/office/drawing/2014/main" id="{E10DA1ED-F696-9789-C330-FBC8C69D32C7}"/>
+              </a:ext>
+            </a:extLst>
+          </p:cNvPr>
+          <p:cNvCxnSpPr/>
+          <p:nvPr/>
+        </p:nvCxnSpPr>
+        <p:spPr>
+          <a:xfrm flipH="1">
+            <a:off x="10164417" y="5727174"/>
+            <a:ext cx="280780" cy="0"/>
+          </a:xfrm>
+          <a:prstGeom prst="straightConnector1">
+            <a:avLst/>
+          </a:prstGeom>
+          <a:ln>
+            <a:tailEnd type="triangle"/>
+          </a:ln>
+        </p:spPr>
+        <p:style>
+          <a:lnRef idx="1">
+            <a:schemeClr val="accent1"/>
+          </a:lnRef>
+          <a:fillRef idx="0">
+            <a:schemeClr val="accent1"/>
+          </a:fillRef>
+          <a:effectRef idx="0">
+            <a:schemeClr val="accent1"/>
+          </a:effectRef>
+          <a:fontRef idx="minor">
+            <a:schemeClr val="tx1"/>
+          </a:fontRef>
+        </p:style>
+      </p:cxnSp>
+      <p:sp>
+        <p:nvSpPr>
+          <p:cNvPr id="5" name="TextBox 4">
+            <a:extLst>
+              <a:ext uri="{FF2B5EF4-FFF2-40B4-BE49-F238E27FC236}">
+                <a16:creationId xmlns:a16="http://schemas.microsoft.com/office/drawing/2014/main" id="{D343F3E0-AE25-B0BE-070D-FD7C8B19AB72}"/>
+              </a:ext>
+            </a:extLst>
+          </p:cNvPr>
+          <p:cNvSpPr txBox="1"/>
+          <p:nvPr/>
+        </p:nvSpPr>
+        <p:spPr>
+          <a:xfrm>
+            <a:off x="8596117" y="6268508"/>
+            <a:ext cx="2102050" cy="307777"/>
+          </a:xfrm>
+          <a:prstGeom prst="rect">
+            <a:avLst/>
+          </a:prstGeom>
+          <a:noFill/>
+        </p:spPr>
+        <p:txBody>
+          <a:bodyPr wrap="none" rtlCol="0">
+            <a:spAutoFit/>
+          </a:bodyPr>
+          <a:lstStyle/>
+          <a:p>
+            <a:r>
+              <a:rPr lang="en-US" sz="1400" dirty="0"/>
+              <a:t>Topics to organize streams</a:t>
+            </a:r>
+            <a:endParaRPr lang="en-IN" sz="1400" dirty="0"/>
+          </a:p>
+        </p:txBody>
+      </p:sp>
+      <p:pic>
+        <p:nvPicPr>
+          <p:cNvPr id="6" name="Picture 5">
+            <a:extLst>
+              <a:ext uri="{FF2B5EF4-FFF2-40B4-BE49-F238E27FC236}">
+                <a16:creationId xmlns:a16="http://schemas.microsoft.com/office/drawing/2014/main" id="{A41267B2-5FCD-26A7-DB86-FF1DB269B88E}"/>
+              </a:ext>
+            </a:extLst>
+          </p:cNvPr>
+          <p:cNvPicPr>
+            <a:picLocks noChangeAspect="1"/>
+          </p:cNvPicPr>
+          <p:nvPr/>
+        </p:nvPicPr>
+        <p:blipFill>
+          <a:blip r:embed="rId8"/>
+          <a:stretch>
+            <a:fillRect/>
+          </a:stretch>
+        </p:blipFill>
+        <p:spPr>
+          <a:xfrm>
+            <a:off x="2337732" y="5289965"/>
+            <a:ext cx="1396105" cy="978543"/>
+          </a:xfrm>
+          <a:prstGeom prst="rect">
+            <a:avLst/>
+          </a:prstGeom>
+        </p:spPr>
+      </p:pic>
+      <p:cxnSp>
+        <p:nvCxnSpPr>
+          <p:cNvPr id="12" name="Straight Arrow Connector 11">
+            <a:extLst>
+              <a:ext uri="{FF2B5EF4-FFF2-40B4-BE49-F238E27FC236}">
+                <a16:creationId xmlns:a16="http://schemas.microsoft.com/office/drawing/2014/main" id="{AFA63B32-F38D-4984-578F-2031A45305DF}"/>
+              </a:ext>
+            </a:extLst>
+          </p:cNvPr>
+          <p:cNvCxnSpPr>
+            <a:stCxn id="15" idx="1"/>
+          </p:cNvCxnSpPr>
+          <p:nvPr/>
+        </p:nvCxnSpPr>
+        <p:spPr>
+          <a:xfrm flipH="1" flipV="1">
+            <a:off x="3733837" y="5819507"/>
+            <a:ext cx="1581928" cy="1"/>
+          </a:xfrm>
+          <a:prstGeom prst="straightConnector1">
+            <a:avLst/>
+          </a:prstGeom>
+          <a:ln>
+            <a:tailEnd type="triangle"/>
+          </a:ln>
+        </p:spPr>
+        <p:style>
+          <a:lnRef idx="1">
+            <a:schemeClr val="accent1"/>
+          </a:lnRef>
+          <a:fillRef idx="0">
+            <a:schemeClr val="accent1"/>
+          </a:fillRef>
+          <a:effectRef idx="0">
+            <a:schemeClr val="accent1"/>
+          </a:effectRef>
+          <a:fontRef idx="minor">
+            <a:schemeClr val="tx1"/>
+          </a:fontRef>
+        </p:style>
+      </p:cxnSp>
+      <p:cxnSp>
+        <p:nvCxnSpPr>
+          <p:cNvPr id="20" name="Straight Connector 19">
+            <a:extLst>
+              <a:ext uri="{FF2B5EF4-FFF2-40B4-BE49-F238E27FC236}">
+                <a16:creationId xmlns:a16="http://schemas.microsoft.com/office/drawing/2014/main" id="{A19C019F-A205-E456-971B-8F81C81D5A65}"/>
+              </a:ext>
+            </a:extLst>
+          </p:cNvPr>
+          <p:cNvCxnSpPr>
+            <a:cxnSpLocks/>
+          </p:cNvCxnSpPr>
+          <p:nvPr/>
+        </p:nvCxnSpPr>
+        <p:spPr>
+          <a:xfrm>
+            <a:off x="1600803" y="5821742"/>
+            <a:ext cx="677548" cy="0"/>
+          </a:xfrm>
+          <a:prstGeom prst="line">
+            <a:avLst/>
+          </a:prstGeom>
+        </p:spPr>
+        <p:style>
+          <a:lnRef idx="1">
+            <a:schemeClr val="accent1"/>
+          </a:lnRef>
+          <a:fillRef idx="0">
+            <a:schemeClr val="accent1"/>
+          </a:fillRef>
+          <a:effectRef idx="0">
+            <a:schemeClr val="accent1"/>
+          </a:effectRef>
+          <a:fontRef idx="minor">
+            <a:schemeClr val="tx1"/>
+          </a:fontRef>
+        </p:style>
+      </p:cxnSp>
+      <p:cxnSp>
+        <p:nvCxnSpPr>
+          <p:cNvPr id="24" name="Straight Arrow Connector 23">
+            <a:extLst>
+              <a:ext uri="{FF2B5EF4-FFF2-40B4-BE49-F238E27FC236}">
+                <a16:creationId xmlns:a16="http://schemas.microsoft.com/office/drawing/2014/main" id="{FFA936C9-9ACD-03BB-9838-9758C5BEE831}"/>
+              </a:ext>
+            </a:extLst>
+          </p:cNvPr>
+          <p:cNvCxnSpPr/>
+          <p:nvPr/>
+        </p:nvCxnSpPr>
+        <p:spPr>
+          <a:xfrm flipV="1">
+            <a:off x="1600803" y="3723861"/>
+            <a:ext cx="0" cy="2095646"/>
+          </a:xfrm>
+          <a:prstGeom prst="straightConnector1">
+            <a:avLst/>
+          </a:prstGeom>
+          <a:ln>
+            <a:tailEnd type="triangle"/>
+          </a:ln>
+        </p:spPr>
+        <p:style>
+          <a:lnRef idx="1">
+            <a:schemeClr val="accent1"/>
+          </a:lnRef>
+          <a:fillRef idx="0">
+            <a:schemeClr val="accent1"/>
+          </a:fillRef>
+          <a:effectRef idx="0">
+            <a:schemeClr val="accent1"/>
+          </a:effectRef>
+          <a:fontRef idx="minor">
+            <a:schemeClr val="tx1"/>
+          </a:fontRef>
+        </p:style>
+      </p:cxnSp>
+      <p:sp>
+        <p:nvSpPr>
+          <p:cNvPr id="2" name="TextBox 1">
+            <a:extLst>
+              <a:ext uri="{FF2B5EF4-FFF2-40B4-BE49-F238E27FC236}">
+                <a16:creationId xmlns:a16="http://schemas.microsoft.com/office/drawing/2014/main" id="{C4515D1C-971C-45D3-ABB8-9533B039B426}"/>
+              </a:ext>
+            </a:extLst>
+          </p:cNvPr>
+          <p:cNvSpPr txBox="1"/>
+          <p:nvPr/>
+        </p:nvSpPr>
+        <p:spPr>
+          <a:xfrm>
+            <a:off x="4040692" y="133692"/>
+            <a:ext cx="4427448" cy="369332"/>
+          </a:xfrm>
+          <a:prstGeom prst="rect">
+            <a:avLst/>
+          </a:prstGeom>
+          <a:solidFill>
+            <a:schemeClr val="bg1"/>
+          </a:solidFill>
+        </p:spPr>
+        <p:txBody>
+          <a:bodyPr wrap="square" rtlCol="0">
+            <a:spAutoFit/>
+          </a:bodyPr>
+          <a:lstStyle/>
+          <a:p>
+            <a:endParaRPr lang="en-US" dirty="0"/>
+          </a:p>
+        </p:txBody>
+      </p:sp>
+      <p:sp>
+        <p:nvSpPr>
+          <p:cNvPr id="3" name="TextBox 2">
+            <a:extLst>
+              <a:ext uri="{FF2B5EF4-FFF2-40B4-BE49-F238E27FC236}">
+                <a16:creationId xmlns:a16="http://schemas.microsoft.com/office/drawing/2014/main" id="{C3267919-6ED7-4B33-8171-2700D111290F}"/>
+              </a:ext>
+            </a:extLst>
+          </p:cNvPr>
+          <p:cNvSpPr txBox="1"/>
+          <p:nvPr/>
+        </p:nvSpPr>
+        <p:spPr>
+          <a:xfrm>
+            <a:off x="564444" y="327211"/>
+            <a:ext cx="1885245" cy="369332"/>
           </a:xfrm>
           <a:prstGeom prst="rect">
             <a:avLst/>
@@ -8548,186 +8535,9 @@
           </a:bodyPr>
           <a:lstStyle/>
           <a:p>
-            <a:pPr marR="0" lvl="0" algn="ctr" defTabSz="914400" rtl="0" eaLnBrk="1" fontAlgn="auto" latinLnBrk="0" hangingPunct="1">
-              <a:lnSpc>
-                <a:spcPct val="100000"/>
-              </a:lnSpc>
-              <a:spcBef>
-                <a:spcPts val="0"/>
-              </a:spcBef>
-              <a:spcAft>
-                <a:spcPts val="0"/>
-              </a:spcAft>
-              <a:buClrTx/>
-              <a:buSzTx/>
-              <a:tabLst/>
-              <a:defRPr/>
-            </a:pPr>
-            <a:r>
-              <a:rPr kumimoji="0" lang="en-US" sz="2800" b="1" u="none" strike="noStrike" kern="1200" cap="none" spc="0" normalizeH="0" baseline="0" noProof="0" dirty="0">
-                <a:ln>
-                  <a:noFill/>
-                </a:ln>
-                <a:solidFill>
-                  <a:prstClr val="black"/>
-                </a:solidFill>
-                <a:uLnTx/>
-                <a:uFillTx/>
-                <a:latin typeface="Arial Black" panose="020B0A04020102020204" pitchFamily="34" charset="0"/>
-                <a:ea typeface="Open Sans" panose="020B0606030504020204" pitchFamily="34" charset="0"/>
-                <a:cs typeface="Open Sans" panose="020B0606030504020204" pitchFamily="34" charset="0"/>
-              </a:rPr>
-              <a:t>Future Scope</a:t>
-            </a:r>
-            <a:endParaRPr kumimoji="0" lang="en-IN" sz="2800" b="0" i="0" u="none" strike="noStrike" kern="1200" cap="none" spc="0" normalizeH="0" baseline="0" noProof="0" dirty="0">
-              <a:ln>
-                <a:noFill/>
-              </a:ln>
-              <a:solidFill>
-                <a:prstClr val="black"/>
-              </a:solidFill>
-              <a:effectLst/>
-              <a:uLnTx/>
-              <a:uFillTx/>
-              <a:latin typeface="Arial Black" panose="020B0A04020102020204" pitchFamily="34" charset="0"/>
-              <a:ea typeface="Open Sans" panose="020B0606030504020204" pitchFamily="34" charset="0"/>
-              <a:cs typeface="Open Sans" panose="020B0606030504020204" pitchFamily="34" charset="0"/>
-            </a:endParaRPr>
-          </a:p>
-        </p:txBody>
-      </p:sp>
-      <p:sp>
-        <p:nvSpPr>
-          <p:cNvPr id="61" name="TextBox 60">
-            <a:extLst>
-              <a:ext uri="{FF2B5EF4-FFF2-40B4-BE49-F238E27FC236}">
-                <a16:creationId xmlns:a16="http://schemas.microsoft.com/office/drawing/2014/main" id="{CC3B732A-3EC7-FF4B-8F8E-9E41CC448C09}"/>
-              </a:ext>
-            </a:extLst>
-          </p:cNvPr>
-          <p:cNvSpPr txBox="1"/>
-          <p:nvPr/>
-        </p:nvSpPr>
-        <p:spPr>
-          <a:xfrm>
-            <a:off x="1835435" y="893468"/>
-            <a:ext cx="8876146" cy="5632311"/>
-          </a:xfrm>
-          <a:prstGeom prst="rect">
-            <a:avLst/>
-          </a:prstGeom>
-          <a:noFill/>
-        </p:spPr>
-        <p:txBody>
-          <a:bodyPr wrap="square" rtlCol="0">
-            <a:spAutoFit/>
-          </a:bodyPr>
-          <a:lstStyle/>
-          <a:p>
-            <a:r>
-              <a:rPr lang="en-US" sz="2000" dirty="0"/>
-              <a:t>The current project lays a strong foundation for real-time e-commerce analytics, but there's always room for growth. Here are some exciting possibilities for future advancements:</a:t>
-            </a:r>
-          </a:p>
-          <a:p>
-            <a:pPr marL="342900" indent="-342900">
-              <a:buFont typeface="Arial" panose="020B0604020202020204" pitchFamily="34" charset="0"/>
-              <a:buChar char="•"/>
-            </a:pPr>
-            <a:r>
-              <a:rPr lang="en-US" sz="2000" b="1" dirty="0"/>
-              <a:t>Predictive Analytics:</a:t>
-            </a:r>
-            <a:r>
-              <a:rPr lang="en-US" sz="2000" dirty="0"/>
-              <a:t> </a:t>
-            </a:r>
-          </a:p>
-          <a:p>
-            <a:r>
-              <a:rPr lang="en-US" sz="2000" dirty="0"/>
-              <a:t>	Leverage AI to forecast sales trends, customer churn, and product 	demand, enabling proactive business decisions.</a:t>
-            </a:r>
-          </a:p>
-          <a:p>
-            <a:pPr marL="342900" indent="-342900">
-              <a:buFont typeface="Arial" panose="020B0604020202020204" pitchFamily="34" charset="0"/>
-              <a:buChar char="•"/>
-            </a:pPr>
-            <a:r>
-              <a:rPr lang="en-US" sz="2000" b="1" dirty="0"/>
-              <a:t>Personalized Recommendations:</a:t>
-            </a:r>
-          </a:p>
-          <a:p>
-            <a:r>
-              <a:rPr lang="en-US" sz="2000" b="1" dirty="0"/>
-              <a:t>	</a:t>
-            </a:r>
-            <a:r>
-              <a:rPr lang="en-US" sz="2000" dirty="0"/>
-              <a:t>Utilize machine learning to recommend products to individual customers 	based on their behavior and preferences.</a:t>
-            </a:r>
-          </a:p>
-          <a:p>
-            <a:pPr marL="342900" indent="-342900">
-              <a:buFont typeface="Arial" panose="020B0604020202020204" pitchFamily="34" charset="0"/>
-              <a:buChar char="•"/>
-            </a:pPr>
-            <a:r>
-              <a:rPr lang="en-US" sz="2000" b="1" dirty="0"/>
-              <a:t>Fraud Detection:</a:t>
-            </a:r>
-          </a:p>
-          <a:p>
-            <a:r>
-              <a:rPr lang="en-US" sz="2000" b="1" dirty="0"/>
-              <a:t>	</a:t>
-            </a:r>
-            <a:r>
-              <a:rPr lang="en-US" sz="2000" dirty="0"/>
-              <a:t>Implement AI algorithms to identify and prevent fraudulent transactions in 	real-time.</a:t>
-            </a:r>
-            <a:endParaRPr lang="en-US" sz="2000" b="1" dirty="0"/>
-          </a:p>
-          <a:p>
-            <a:pPr marL="342900" indent="-342900">
-              <a:buFont typeface="Arial" panose="020B0604020202020204" pitchFamily="34" charset="0"/>
-              <a:buChar char="•"/>
-            </a:pPr>
-            <a:r>
-              <a:rPr lang="en-US" sz="2000" b="1" dirty="0"/>
-              <a:t>Interactive Dashboards:</a:t>
-            </a:r>
-          </a:p>
-          <a:p>
-            <a:r>
-              <a:rPr lang="en-US" sz="2000" b="1" dirty="0"/>
-              <a:t>	</a:t>
-            </a:r>
-            <a:r>
-              <a:rPr lang="en-US" sz="2000" dirty="0"/>
-              <a:t> Develop dashboards that dynamically adapt to user interactions and offer 	deeper insights through drill-down functionalities.</a:t>
-            </a:r>
-          </a:p>
-          <a:p>
-            <a:pPr marL="342900" indent="-342900">
-              <a:buFont typeface="Arial" panose="020B0604020202020204" pitchFamily="34" charset="0"/>
-              <a:buChar char="•"/>
-            </a:pPr>
-            <a:r>
-              <a:rPr lang="en-US" sz="2000" b="1" dirty="0"/>
-              <a:t>Social Media and Sentiment Analysis:</a:t>
-            </a:r>
-            <a:r>
-              <a:rPr lang="en-US" sz="2000" dirty="0"/>
-              <a:t> </a:t>
-            </a:r>
-          </a:p>
-          <a:p>
-            <a:r>
-              <a:rPr lang="en-US" sz="2000" dirty="0"/>
-              <a:t>	Analyze social media data to understand customer sentiment and brand 	perception.</a:t>
+            <a:r>
+              <a:rPr lang="en-US" b="1" dirty="0"/>
+              <a:t>Working Model</a:t>
             </a:r>
           </a:p>
         </p:txBody>
@@ -8735,13 +8545,1159 @@
     </p:spTree>
     <p:extLst>
       <p:ext uri="{BB962C8B-B14F-4D97-AF65-F5344CB8AC3E}">
-        <p14:creationId xmlns:p14="http://schemas.microsoft.com/office/powerpoint/2010/main" val="2599182483"/>
+        <p14:creationId xmlns:p14="http://schemas.microsoft.com/office/powerpoint/2010/main" val="3181594662"/>
       </p:ext>
     </p:extLst>
   </p:cSld>
   <p:clrMapOvr>
     <a:masterClrMapping/>
   </p:clrMapOvr>
+  <p:transition spd="slow">
+    <p:wipe/>
+  </p:transition>
+  <p:timing>
+    <p:tnLst>
+      <p:par>
+        <p:cTn id="1" dur="indefinite" restart="never" nodeType="tmRoot">
+          <p:childTnLst>
+            <p:seq concurrent="1" nextAc="seek">
+              <p:cTn id="2" dur="indefinite" nodeType="mainSeq">
+                <p:childTnLst>
+                  <p:par>
+                    <p:cTn id="3" fill="hold">
+                      <p:stCondLst>
+                        <p:cond delay="indefinite"/>
+                      </p:stCondLst>
+                      <p:childTnLst>
+                        <p:par>
+                          <p:cTn id="4" fill="hold">
+                            <p:stCondLst>
+                              <p:cond delay="0"/>
+                            </p:stCondLst>
+                            <p:childTnLst>
+                              <p:par>
+                                <p:cTn id="5" presetID="22" presetClass="entr" presetSubtype="4" fill="hold" nodeType="clickEffect">
+                                  <p:stCondLst>
+                                    <p:cond delay="0"/>
+                                  </p:stCondLst>
+                                  <p:childTnLst>
+                                    <p:set>
+                                      <p:cBhvr>
+                                        <p:cTn id="6" dur="1" fill="hold">
+                                          <p:stCondLst>
+                                            <p:cond delay="0"/>
+                                          </p:stCondLst>
+                                        </p:cTn>
+                                        <p:tgtEl>
+                                          <p:spTgt spid="38"/>
+                                        </p:tgtEl>
+                                        <p:attrNameLst>
+                                          <p:attrName>style.visibility</p:attrName>
+                                        </p:attrNameLst>
+                                      </p:cBhvr>
+                                      <p:to>
+                                        <p:strVal val="visible"/>
+                                      </p:to>
+                                    </p:set>
+                                    <p:animEffect transition="in" filter="wipe(down)">
+                                      <p:cBhvr>
+                                        <p:cTn id="7" dur="500"/>
+                                        <p:tgtEl>
+                                          <p:spTgt spid="38"/>
+                                        </p:tgtEl>
+                                      </p:cBhvr>
+                                    </p:animEffect>
+                                  </p:childTnLst>
+                                </p:cTn>
+                              </p:par>
+                            </p:childTnLst>
+                          </p:cTn>
+                        </p:par>
+                      </p:childTnLst>
+                    </p:cTn>
+                  </p:par>
+                  <p:par>
+                    <p:cTn id="8" fill="hold">
+                      <p:stCondLst>
+                        <p:cond delay="indefinite"/>
+                      </p:stCondLst>
+                      <p:childTnLst>
+                        <p:par>
+                          <p:cTn id="9" fill="hold">
+                            <p:stCondLst>
+                              <p:cond delay="0"/>
+                            </p:stCondLst>
+                            <p:childTnLst>
+                              <p:par>
+                                <p:cTn id="10" presetID="22" presetClass="entr" presetSubtype="4" fill="hold" nodeType="clickEffect">
+                                  <p:stCondLst>
+                                    <p:cond delay="0"/>
+                                  </p:stCondLst>
+                                  <p:childTnLst>
+                                    <p:set>
+                                      <p:cBhvr>
+                                        <p:cTn id="11" dur="1" fill="hold">
+                                          <p:stCondLst>
+                                            <p:cond delay="0"/>
+                                          </p:stCondLst>
+                                        </p:cTn>
+                                        <p:tgtEl>
+                                          <p:spTgt spid="40"/>
+                                        </p:tgtEl>
+                                        <p:attrNameLst>
+                                          <p:attrName>style.visibility</p:attrName>
+                                        </p:attrNameLst>
+                                      </p:cBhvr>
+                                      <p:to>
+                                        <p:strVal val="visible"/>
+                                      </p:to>
+                                    </p:set>
+                                    <p:animEffect transition="in" filter="wipe(down)">
+                                      <p:cBhvr>
+                                        <p:cTn id="12" dur="500"/>
+                                        <p:tgtEl>
+                                          <p:spTgt spid="40"/>
+                                        </p:tgtEl>
+                                      </p:cBhvr>
+                                    </p:animEffect>
+                                  </p:childTnLst>
+                                </p:cTn>
+                              </p:par>
+                            </p:childTnLst>
+                          </p:cTn>
+                        </p:par>
+                      </p:childTnLst>
+                    </p:cTn>
+                  </p:par>
+                  <p:par>
+                    <p:cTn id="13" fill="hold">
+                      <p:stCondLst>
+                        <p:cond delay="indefinite"/>
+                      </p:stCondLst>
+                      <p:childTnLst>
+                        <p:par>
+                          <p:cTn id="14" fill="hold">
+                            <p:stCondLst>
+                              <p:cond delay="0"/>
+                            </p:stCondLst>
+                            <p:childTnLst>
+                              <p:par>
+                                <p:cTn id="15" presetID="22" presetClass="entr" presetSubtype="4" fill="hold" nodeType="clickEffect">
+                                  <p:stCondLst>
+                                    <p:cond delay="0"/>
+                                  </p:stCondLst>
+                                  <p:childTnLst>
+                                    <p:set>
+                                      <p:cBhvr>
+                                        <p:cTn id="16" dur="1" fill="hold">
+                                          <p:stCondLst>
+                                            <p:cond delay="0"/>
+                                          </p:stCondLst>
+                                        </p:cTn>
+                                        <p:tgtEl>
+                                          <p:spTgt spid="43"/>
+                                        </p:tgtEl>
+                                        <p:attrNameLst>
+                                          <p:attrName>style.visibility</p:attrName>
+                                        </p:attrNameLst>
+                                      </p:cBhvr>
+                                      <p:to>
+                                        <p:strVal val="visible"/>
+                                      </p:to>
+                                    </p:set>
+                                    <p:animEffect transition="in" filter="wipe(down)">
+                                      <p:cBhvr>
+                                        <p:cTn id="17" dur="500"/>
+                                        <p:tgtEl>
+                                          <p:spTgt spid="43"/>
+                                        </p:tgtEl>
+                                      </p:cBhvr>
+                                    </p:animEffect>
+                                  </p:childTnLst>
+                                </p:cTn>
+                              </p:par>
+                            </p:childTnLst>
+                          </p:cTn>
+                        </p:par>
+                      </p:childTnLst>
+                    </p:cTn>
+                  </p:par>
+                  <p:par>
+                    <p:cTn id="18" fill="hold">
+                      <p:stCondLst>
+                        <p:cond delay="indefinite"/>
+                      </p:stCondLst>
+                      <p:childTnLst>
+                        <p:par>
+                          <p:cTn id="19" fill="hold">
+                            <p:stCondLst>
+                              <p:cond delay="0"/>
+                            </p:stCondLst>
+                            <p:childTnLst>
+                              <p:par>
+                                <p:cTn id="20" presetID="22" presetClass="entr" presetSubtype="4" fill="hold" nodeType="clickEffect">
+                                  <p:stCondLst>
+                                    <p:cond delay="0"/>
+                                  </p:stCondLst>
+                                  <p:childTnLst>
+                                    <p:set>
+                                      <p:cBhvr>
+                                        <p:cTn id="21" dur="1" fill="hold">
+                                          <p:stCondLst>
+                                            <p:cond delay="0"/>
+                                          </p:stCondLst>
+                                        </p:cTn>
+                                        <p:tgtEl>
+                                          <p:spTgt spid="47"/>
+                                        </p:tgtEl>
+                                        <p:attrNameLst>
+                                          <p:attrName>style.visibility</p:attrName>
+                                        </p:attrNameLst>
+                                      </p:cBhvr>
+                                      <p:to>
+                                        <p:strVal val="visible"/>
+                                      </p:to>
+                                    </p:set>
+                                    <p:animEffect transition="in" filter="wipe(down)">
+                                      <p:cBhvr>
+                                        <p:cTn id="22" dur="500"/>
+                                        <p:tgtEl>
+                                          <p:spTgt spid="47"/>
+                                        </p:tgtEl>
+                                      </p:cBhvr>
+                                    </p:animEffect>
+                                  </p:childTnLst>
+                                </p:cTn>
+                              </p:par>
+                            </p:childTnLst>
+                          </p:cTn>
+                        </p:par>
+                      </p:childTnLst>
+                    </p:cTn>
+                  </p:par>
+                  <p:par>
+                    <p:cTn id="23" fill="hold">
+                      <p:stCondLst>
+                        <p:cond delay="indefinite"/>
+                      </p:stCondLst>
+                      <p:childTnLst>
+                        <p:par>
+                          <p:cTn id="24" fill="hold">
+                            <p:stCondLst>
+                              <p:cond delay="0"/>
+                            </p:stCondLst>
+                            <p:childTnLst>
+                              <p:par>
+                                <p:cTn id="25" presetID="22" presetClass="entr" presetSubtype="4" fill="hold" nodeType="clickEffect">
+                                  <p:stCondLst>
+                                    <p:cond delay="0"/>
+                                  </p:stCondLst>
+                                  <p:childTnLst>
+                                    <p:set>
+                                      <p:cBhvr>
+                                        <p:cTn id="26" dur="1" fill="hold">
+                                          <p:stCondLst>
+                                            <p:cond delay="0"/>
+                                          </p:stCondLst>
+                                        </p:cTn>
+                                        <p:tgtEl>
+                                          <p:spTgt spid="57">
+                                            <p:txEl>
+                                              <p:pRg st="0" end="0"/>
+                                            </p:txEl>
+                                          </p:spTgt>
+                                        </p:tgtEl>
+                                        <p:attrNameLst>
+                                          <p:attrName>style.visibility</p:attrName>
+                                        </p:attrNameLst>
+                                      </p:cBhvr>
+                                      <p:to>
+                                        <p:strVal val="visible"/>
+                                      </p:to>
+                                    </p:set>
+                                    <p:animEffect transition="in" filter="wipe(down)">
+                                      <p:cBhvr>
+                                        <p:cTn id="27" dur="500"/>
+                                        <p:tgtEl>
+                                          <p:spTgt spid="57">
+                                            <p:txEl>
+                                              <p:pRg st="0" end="0"/>
+                                            </p:txEl>
+                                          </p:spTgt>
+                                        </p:tgtEl>
+                                      </p:cBhvr>
+                                    </p:animEffect>
+                                  </p:childTnLst>
+                                </p:cTn>
+                              </p:par>
+                              <p:par>
+                                <p:cTn id="28" presetID="22" presetClass="entr" presetSubtype="4" fill="hold" nodeType="withEffect">
+                                  <p:stCondLst>
+                                    <p:cond delay="0"/>
+                                  </p:stCondLst>
+                                  <p:childTnLst>
+                                    <p:set>
+                                      <p:cBhvr>
+                                        <p:cTn id="29" dur="1" fill="hold">
+                                          <p:stCondLst>
+                                            <p:cond delay="0"/>
+                                          </p:stCondLst>
+                                        </p:cTn>
+                                        <p:tgtEl>
+                                          <p:spTgt spid="57">
+                                            <p:txEl>
+                                              <p:pRg st="1" end="1"/>
+                                            </p:txEl>
+                                          </p:spTgt>
+                                        </p:tgtEl>
+                                        <p:attrNameLst>
+                                          <p:attrName>style.visibility</p:attrName>
+                                        </p:attrNameLst>
+                                      </p:cBhvr>
+                                      <p:to>
+                                        <p:strVal val="visible"/>
+                                      </p:to>
+                                    </p:set>
+                                    <p:animEffect transition="in" filter="wipe(down)">
+                                      <p:cBhvr>
+                                        <p:cTn id="30" dur="500"/>
+                                        <p:tgtEl>
+                                          <p:spTgt spid="57">
+                                            <p:txEl>
+                                              <p:pRg st="1" end="1"/>
+                                            </p:txEl>
+                                          </p:spTgt>
+                                        </p:tgtEl>
+                                      </p:cBhvr>
+                                    </p:animEffect>
+                                  </p:childTnLst>
+                                </p:cTn>
+                              </p:par>
+                            </p:childTnLst>
+                          </p:cTn>
+                        </p:par>
+                      </p:childTnLst>
+                    </p:cTn>
+                  </p:par>
+                  <p:par>
+                    <p:cTn id="31" fill="hold">
+                      <p:stCondLst>
+                        <p:cond delay="indefinite"/>
+                      </p:stCondLst>
+                      <p:childTnLst>
+                        <p:par>
+                          <p:cTn id="32" fill="hold">
+                            <p:stCondLst>
+                              <p:cond delay="0"/>
+                            </p:stCondLst>
+                            <p:childTnLst>
+                              <p:par>
+                                <p:cTn id="33" presetID="22" presetClass="entr" presetSubtype="4" fill="hold" nodeType="clickEffect">
+                                  <p:stCondLst>
+                                    <p:cond delay="0"/>
+                                  </p:stCondLst>
+                                  <p:childTnLst>
+                                    <p:set>
+                                      <p:cBhvr>
+                                        <p:cTn id="34" dur="1" fill="hold">
+                                          <p:stCondLst>
+                                            <p:cond delay="0"/>
+                                          </p:stCondLst>
+                                        </p:cTn>
+                                        <p:tgtEl>
+                                          <p:spTgt spid="58">
+                                            <p:txEl>
+                                              <p:pRg st="0" end="0"/>
+                                            </p:txEl>
+                                          </p:spTgt>
+                                        </p:tgtEl>
+                                        <p:attrNameLst>
+                                          <p:attrName>style.visibility</p:attrName>
+                                        </p:attrNameLst>
+                                      </p:cBhvr>
+                                      <p:to>
+                                        <p:strVal val="visible"/>
+                                      </p:to>
+                                    </p:set>
+                                    <p:animEffect transition="in" filter="wipe(down)">
+                                      <p:cBhvr>
+                                        <p:cTn id="35" dur="500"/>
+                                        <p:tgtEl>
+                                          <p:spTgt spid="58">
+                                            <p:txEl>
+                                              <p:pRg st="0" end="0"/>
+                                            </p:txEl>
+                                          </p:spTgt>
+                                        </p:tgtEl>
+                                      </p:cBhvr>
+                                    </p:animEffect>
+                                  </p:childTnLst>
+                                </p:cTn>
+                              </p:par>
+                              <p:par>
+                                <p:cTn id="36" presetID="22" presetClass="entr" presetSubtype="4" fill="hold" nodeType="withEffect">
+                                  <p:stCondLst>
+                                    <p:cond delay="0"/>
+                                  </p:stCondLst>
+                                  <p:childTnLst>
+                                    <p:set>
+                                      <p:cBhvr>
+                                        <p:cTn id="37" dur="1" fill="hold">
+                                          <p:stCondLst>
+                                            <p:cond delay="0"/>
+                                          </p:stCondLst>
+                                        </p:cTn>
+                                        <p:tgtEl>
+                                          <p:spTgt spid="58">
+                                            <p:txEl>
+                                              <p:pRg st="1" end="1"/>
+                                            </p:txEl>
+                                          </p:spTgt>
+                                        </p:tgtEl>
+                                        <p:attrNameLst>
+                                          <p:attrName>style.visibility</p:attrName>
+                                        </p:attrNameLst>
+                                      </p:cBhvr>
+                                      <p:to>
+                                        <p:strVal val="visible"/>
+                                      </p:to>
+                                    </p:set>
+                                    <p:animEffect transition="in" filter="wipe(down)">
+                                      <p:cBhvr>
+                                        <p:cTn id="38" dur="500"/>
+                                        <p:tgtEl>
+                                          <p:spTgt spid="58">
+                                            <p:txEl>
+                                              <p:pRg st="1" end="1"/>
+                                            </p:txEl>
+                                          </p:spTgt>
+                                        </p:tgtEl>
+                                      </p:cBhvr>
+                                    </p:animEffect>
+                                  </p:childTnLst>
+                                </p:cTn>
+                              </p:par>
+                            </p:childTnLst>
+                          </p:cTn>
+                        </p:par>
+                      </p:childTnLst>
+                    </p:cTn>
+                  </p:par>
+                  <p:par>
+                    <p:cTn id="39" fill="hold">
+                      <p:stCondLst>
+                        <p:cond delay="indefinite"/>
+                      </p:stCondLst>
+                      <p:childTnLst>
+                        <p:par>
+                          <p:cTn id="40" fill="hold">
+                            <p:stCondLst>
+                              <p:cond delay="0"/>
+                            </p:stCondLst>
+                            <p:childTnLst>
+                              <p:par>
+                                <p:cTn id="41" presetID="22" presetClass="entr" presetSubtype="4" fill="hold" nodeType="clickEffect">
+                                  <p:stCondLst>
+                                    <p:cond delay="0"/>
+                                  </p:stCondLst>
+                                  <p:childTnLst>
+                                    <p:set>
+                                      <p:cBhvr>
+                                        <p:cTn id="42" dur="1" fill="hold">
+                                          <p:stCondLst>
+                                            <p:cond delay="0"/>
+                                          </p:stCondLst>
+                                        </p:cTn>
+                                        <p:tgtEl>
+                                          <p:spTgt spid="60">
+                                            <p:txEl>
+                                              <p:pRg st="0" end="0"/>
+                                            </p:txEl>
+                                          </p:spTgt>
+                                        </p:tgtEl>
+                                        <p:attrNameLst>
+                                          <p:attrName>style.visibility</p:attrName>
+                                        </p:attrNameLst>
+                                      </p:cBhvr>
+                                      <p:to>
+                                        <p:strVal val="visible"/>
+                                      </p:to>
+                                    </p:set>
+                                    <p:animEffect transition="in" filter="wipe(down)">
+                                      <p:cBhvr>
+                                        <p:cTn id="43" dur="500"/>
+                                        <p:tgtEl>
+                                          <p:spTgt spid="60">
+                                            <p:txEl>
+                                              <p:pRg st="0" end="0"/>
+                                            </p:txEl>
+                                          </p:spTgt>
+                                        </p:tgtEl>
+                                      </p:cBhvr>
+                                    </p:animEffect>
+                                  </p:childTnLst>
+                                </p:cTn>
+                              </p:par>
+                            </p:childTnLst>
+                          </p:cTn>
+                        </p:par>
+                      </p:childTnLst>
+                    </p:cTn>
+                  </p:par>
+                  <p:par>
+                    <p:cTn id="44" fill="hold">
+                      <p:stCondLst>
+                        <p:cond delay="indefinite"/>
+                      </p:stCondLst>
+                      <p:childTnLst>
+                        <p:par>
+                          <p:cTn id="45" fill="hold">
+                            <p:stCondLst>
+                              <p:cond delay="0"/>
+                            </p:stCondLst>
+                            <p:childTnLst>
+                              <p:par>
+                                <p:cTn id="46" presetID="22" presetClass="entr" presetSubtype="4" fill="hold" nodeType="clickEffect">
+                                  <p:stCondLst>
+                                    <p:cond delay="0"/>
+                                  </p:stCondLst>
+                                  <p:childTnLst>
+                                    <p:set>
+                                      <p:cBhvr>
+                                        <p:cTn id="47" dur="1" fill="hold">
+                                          <p:stCondLst>
+                                            <p:cond delay="0"/>
+                                          </p:stCondLst>
+                                        </p:cTn>
+                                        <p:tgtEl>
+                                          <p:spTgt spid="79">
+                                            <p:txEl>
+                                              <p:pRg st="0" end="0"/>
+                                            </p:txEl>
+                                          </p:spTgt>
+                                        </p:tgtEl>
+                                        <p:attrNameLst>
+                                          <p:attrName>style.visibility</p:attrName>
+                                        </p:attrNameLst>
+                                      </p:cBhvr>
+                                      <p:to>
+                                        <p:strVal val="visible"/>
+                                      </p:to>
+                                    </p:set>
+                                    <p:animEffect transition="in" filter="wipe(down)">
+                                      <p:cBhvr>
+                                        <p:cTn id="48" dur="500"/>
+                                        <p:tgtEl>
+                                          <p:spTgt spid="79">
+                                            <p:txEl>
+                                              <p:pRg st="0" end="0"/>
+                                            </p:txEl>
+                                          </p:spTgt>
+                                        </p:tgtEl>
+                                      </p:cBhvr>
+                                    </p:animEffect>
+                                  </p:childTnLst>
+                                </p:cTn>
+                              </p:par>
+                            </p:childTnLst>
+                          </p:cTn>
+                        </p:par>
+                      </p:childTnLst>
+                    </p:cTn>
+                  </p:par>
+                  <p:par>
+                    <p:cTn id="49" fill="hold">
+                      <p:stCondLst>
+                        <p:cond delay="indefinite"/>
+                      </p:stCondLst>
+                      <p:childTnLst>
+                        <p:par>
+                          <p:cTn id="50" fill="hold">
+                            <p:stCondLst>
+                              <p:cond delay="0"/>
+                            </p:stCondLst>
+                            <p:childTnLst>
+                              <p:par>
+                                <p:cTn id="51" presetID="22" presetClass="entr" presetSubtype="4" fill="hold" nodeType="clickEffect">
+                                  <p:stCondLst>
+                                    <p:cond delay="0"/>
+                                  </p:stCondLst>
+                                  <p:childTnLst>
+                                    <p:set>
+                                      <p:cBhvr>
+                                        <p:cTn id="52" dur="1" fill="hold">
+                                          <p:stCondLst>
+                                            <p:cond delay="0"/>
+                                          </p:stCondLst>
+                                        </p:cTn>
+                                        <p:tgtEl>
+                                          <p:spTgt spid="80">
+                                            <p:txEl>
+                                              <p:pRg st="0" end="0"/>
+                                            </p:txEl>
+                                          </p:spTgt>
+                                        </p:tgtEl>
+                                        <p:attrNameLst>
+                                          <p:attrName>style.visibility</p:attrName>
+                                        </p:attrNameLst>
+                                      </p:cBhvr>
+                                      <p:to>
+                                        <p:strVal val="visible"/>
+                                      </p:to>
+                                    </p:set>
+                                    <p:animEffect transition="in" filter="wipe(down)">
+                                      <p:cBhvr>
+                                        <p:cTn id="53" dur="500"/>
+                                        <p:tgtEl>
+                                          <p:spTgt spid="80">
+                                            <p:txEl>
+                                              <p:pRg st="0" end="0"/>
+                                            </p:txEl>
+                                          </p:spTgt>
+                                        </p:tgtEl>
+                                      </p:cBhvr>
+                                    </p:animEffect>
+                                  </p:childTnLst>
+                                </p:cTn>
+                              </p:par>
+                              <p:par>
+                                <p:cTn id="54" presetID="22" presetClass="entr" presetSubtype="4" fill="hold" nodeType="withEffect">
+                                  <p:stCondLst>
+                                    <p:cond delay="0"/>
+                                  </p:stCondLst>
+                                  <p:childTnLst>
+                                    <p:set>
+                                      <p:cBhvr>
+                                        <p:cTn id="55" dur="1" fill="hold">
+                                          <p:stCondLst>
+                                            <p:cond delay="0"/>
+                                          </p:stCondLst>
+                                        </p:cTn>
+                                        <p:tgtEl>
+                                          <p:spTgt spid="80">
+                                            <p:txEl>
+                                              <p:pRg st="1" end="1"/>
+                                            </p:txEl>
+                                          </p:spTgt>
+                                        </p:tgtEl>
+                                        <p:attrNameLst>
+                                          <p:attrName>style.visibility</p:attrName>
+                                        </p:attrNameLst>
+                                      </p:cBhvr>
+                                      <p:to>
+                                        <p:strVal val="visible"/>
+                                      </p:to>
+                                    </p:set>
+                                    <p:animEffect transition="in" filter="wipe(down)">
+                                      <p:cBhvr>
+                                        <p:cTn id="56" dur="500"/>
+                                        <p:tgtEl>
+                                          <p:spTgt spid="80">
+                                            <p:txEl>
+                                              <p:pRg st="1" end="1"/>
+                                            </p:txEl>
+                                          </p:spTgt>
+                                        </p:tgtEl>
+                                      </p:cBhvr>
+                                    </p:animEffect>
+                                  </p:childTnLst>
+                                </p:cTn>
+                              </p:par>
+                              <p:par>
+                                <p:cTn id="57" presetID="22" presetClass="entr" presetSubtype="4" fill="hold" nodeType="withEffect">
+                                  <p:stCondLst>
+                                    <p:cond delay="0"/>
+                                  </p:stCondLst>
+                                  <p:childTnLst>
+                                    <p:set>
+                                      <p:cBhvr>
+                                        <p:cTn id="58" dur="1" fill="hold">
+                                          <p:stCondLst>
+                                            <p:cond delay="0"/>
+                                          </p:stCondLst>
+                                        </p:cTn>
+                                        <p:tgtEl>
+                                          <p:spTgt spid="80">
+                                            <p:txEl>
+                                              <p:pRg st="2" end="2"/>
+                                            </p:txEl>
+                                          </p:spTgt>
+                                        </p:tgtEl>
+                                        <p:attrNameLst>
+                                          <p:attrName>style.visibility</p:attrName>
+                                        </p:attrNameLst>
+                                      </p:cBhvr>
+                                      <p:to>
+                                        <p:strVal val="visible"/>
+                                      </p:to>
+                                    </p:set>
+                                    <p:animEffect transition="in" filter="wipe(down)">
+                                      <p:cBhvr>
+                                        <p:cTn id="59" dur="500"/>
+                                        <p:tgtEl>
+                                          <p:spTgt spid="80">
+                                            <p:txEl>
+                                              <p:pRg st="2" end="2"/>
+                                            </p:txEl>
+                                          </p:spTgt>
+                                        </p:tgtEl>
+                                      </p:cBhvr>
+                                    </p:animEffect>
+                                  </p:childTnLst>
+                                </p:cTn>
+                              </p:par>
+                            </p:childTnLst>
+                          </p:cTn>
+                        </p:par>
+                      </p:childTnLst>
+                    </p:cTn>
+                  </p:par>
+                  <p:par>
+                    <p:cTn id="60" fill="hold">
+                      <p:stCondLst>
+                        <p:cond delay="indefinite"/>
+                      </p:stCondLst>
+                      <p:childTnLst>
+                        <p:par>
+                          <p:cTn id="61" fill="hold">
+                            <p:stCondLst>
+                              <p:cond delay="0"/>
+                            </p:stCondLst>
+                            <p:childTnLst>
+                              <p:par>
+                                <p:cTn id="62" presetID="22" presetClass="entr" presetSubtype="4" fill="hold" nodeType="clickEffect">
+                                  <p:stCondLst>
+                                    <p:cond delay="0"/>
+                                  </p:stCondLst>
+                                  <p:childTnLst>
+                                    <p:set>
+                                      <p:cBhvr>
+                                        <p:cTn id="63" dur="1" fill="hold">
+                                          <p:stCondLst>
+                                            <p:cond delay="0"/>
+                                          </p:stCondLst>
+                                        </p:cTn>
+                                        <p:tgtEl>
+                                          <p:spTgt spid="11"/>
+                                        </p:tgtEl>
+                                        <p:attrNameLst>
+                                          <p:attrName>style.visibility</p:attrName>
+                                        </p:attrNameLst>
+                                      </p:cBhvr>
+                                      <p:to>
+                                        <p:strVal val="visible"/>
+                                      </p:to>
+                                    </p:set>
+                                    <p:animEffect transition="in" filter="wipe(down)">
+                                      <p:cBhvr>
+                                        <p:cTn id="64" dur="500"/>
+                                        <p:tgtEl>
+                                          <p:spTgt spid="11"/>
+                                        </p:tgtEl>
+                                      </p:cBhvr>
+                                    </p:animEffect>
+                                  </p:childTnLst>
+                                </p:cTn>
+                              </p:par>
+                            </p:childTnLst>
+                          </p:cTn>
+                        </p:par>
+                      </p:childTnLst>
+                    </p:cTn>
+                  </p:par>
+                  <p:par>
+                    <p:cTn id="65" fill="hold">
+                      <p:stCondLst>
+                        <p:cond delay="indefinite"/>
+                      </p:stCondLst>
+                      <p:childTnLst>
+                        <p:par>
+                          <p:cTn id="66" fill="hold">
+                            <p:stCondLst>
+                              <p:cond delay="0"/>
+                            </p:stCondLst>
+                            <p:childTnLst>
+                              <p:par>
+                                <p:cTn id="67" presetID="22" presetClass="entr" presetSubtype="4" fill="hold" nodeType="clickEffect">
+                                  <p:stCondLst>
+                                    <p:cond delay="0"/>
+                                  </p:stCondLst>
+                                  <p:childTnLst>
+                                    <p:set>
+                                      <p:cBhvr>
+                                        <p:cTn id="68" dur="1" fill="hold">
+                                          <p:stCondLst>
+                                            <p:cond delay="0"/>
+                                          </p:stCondLst>
+                                        </p:cTn>
+                                        <p:tgtEl>
+                                          <p:spTgt spid="29"/>
+                                        </p:tgtEl>
+                                        <p:attrNameLst>
+                                          <p:attrName>style.visibility</p:attrName>
+                                        </p:attrNameLst>
+                                      </p:cBhvr>
+                                      <p:to>
+                                        <p:strVal val="visible"/>
+                                      </p:to>
+                                    </p:set>
+                                    <p:animEffect transition="in" filter="wipe(down)">
+                                      <p:cBhvr>
+                                        <p:cTn id="69" dur="500"/>
+                                        <p:tgtEl>
+                                          <p:spTgt spid="29"/>
+                                        </p:tgtEl>
+                                      </p:cBhvr>
+                                    </p:animEffect>
+                                  </p:childTnLst>
+                                </p:cTn>
+                              </p:par>
+                            </p:childTnLst>
+                          </p:cTn>
+                        </p:par>
+                      </p:childTnLst>
+                    </p:cTn>
+                  </p:par>
+                  <p:par>
+                    <p:cTn id="70" fill="hold">
+                      <p:stCondLst>
+                        <p:cond delay="indefinite"/>
+                      </p:stCondLst>
+                      <p:childTnLst>
+                        <p:par>
+                          <p:cTn id="71" fill="hold">
+                            <p:stCondLst>
+                              <p:cond delay="0"/>
+                            </p:stCondLst>
+                            <p:childTnLst>
+                              <p:par>
+                                <p:cTn id="72" presetID="22" presetClass="entr" presetSubtype="4" fill="hold" nodeType="clickEffect">
+                                  <p:stCondLst>
+                                    <p:cond delay="0"/>
+                                  </p:stCondLst>
+                                  <p:childTnLst>
+                                    <p:set>
+                                      <p:cBhvr>
+                                        <p:cTn id="73" dur="1" fill="hold">
+                                          <p:stCondLst>
+                                            <p:cond delay="0"/>
+                                          </p:stCondLst>
+                                        </p:cTn>
+                                        <p:tgtEl>
+                                          <p:spTgt spid="9"/>
+                                        </p:tgtEl>
+                                        <p:attrNameLst>
+                                          <p:attrName>style.visibility</p:attrName>
+                                        </p:attrNameLst>
+                                      </p:cBhvr>
+                                      <p:to>
+                                        <p:strVal val="visible"/>
+                                      </p:to>
+                                    </p:set>
+                                    <p:animEffect transition="in" filter="wipe(down)">
+                                      <p:cBhvr>
+                                        <p:cTn id="74" dur="500"/>
+                                        <p:tgtEl>
+                                          <p:spTgt spid="9"/>
+                                        </p:tgtEl>
+                                      </p:cBhvr>
+                                    </p:animEffect>
+                                  </p:childTnLst>
+                                </p:cTn>
+                              </p:par>
+                            </p:childTnLst>
+                          </p:cTn>
+                        </p:par>
+                      </p:childTnLst>
+                    </p:cTn>
+                  </p:par>
+                  <p:par>
+                    <p:cTn id="75" fill="hold">
+                      <p:stCondLst>
+                        <p:cond delay="indefinite"/>
+                      </p:stCondLst>
+                      <p:childTnLst>
+                        <p:par>
+                          <p:cTn id="76" fill="hold">
+                            <p:stCondLst>
+                              <p:cond delay="0"/>
+                            </p:stCondLst>
+                            <p:childTnLst>
+                              <p:par>
+                                <p:cTn id="77" presetID="22" presetClass="entr" presetSubtype="4" fill="hold" nodeType="clickEffect">
+                                  <p:stCondLst>
+                                    <p:cond delay="0"/>
+                                  </p:stCondLst>
+                                  <p:childTnLst>
+                                    <p:set>
+                                      <p:cBhvr>
+                                        <p:cTn id="78" dur="1" fill="hold">
+                                          <p:stCondLst>
+                                            <p:cond delay="0"/>
+                                          </p:stCondLst>
+                                        </p:cTn>
+                                        <p:tgtEl>
+                                          <p:spTgt spid="4"/>
+                                        </p:tgtEl>
+                                        <p:attrNameLst>
+                                          <p:attrName>style.visibility</p:attrName>
+                                        </p:attrNameLst>
+                                      </p:cBhvr>
+                                      <p:to>
+                                        <p:strVal val="visible"/>
+                                      </p:to>
+                                    </p:set>
+                                    <p:animEffect transition="in" filter="wipe(down)">
+                                      <p:cBhvr>
+                                        <p:cTn id="79" dur="500"/>
+                                        <p:tgtEl>
+                                          <p:spTgt spid="4"/>
+                                        </p:tgtEl>
+                                      </p:cBhvr>
+                                    </p:animEffect>
+                                  </p:childTnLst>
+                                </p:cTn>
+                              </p:par>
+                            </p:childTnLst>
+                          </p:cTn>
+                        </p:par>
+                      </p:childTnLst>
+                    </p:cTn>
+                  </p:par>
+                  <p:par>
+                    <p:cTn id="80" fill="hold">
+                      <p:stCondLst>
+                        <p:cond delay="indefinite"/>
+                      </p:stCondLst>
+                      <p:childTnLst>
+                        <p:par>
+                          <p:cTn id="81" fill="hold">
+                            <p:stCondLst>
+                              <p:cond delay="0"/>
+                            </p:stCondLst>
+                            <p:childTnLst>
+                              <p:par>
+                                <p:cTn id="82" presetID="22" presetClass="entr" presetSubtype="4" fill="hold" nodeType="clickEffect">
+                                  <p:stCondLst>
+                                    <p:cond delay="0"/>
+                                  </p:stCondLst>
+                                  <p:childTnLst>
+                                    <p:set>
+                                      <p:cBhvr>
+                                        <p:cTn id="83" dur="1" fill="hold">
+                                          <p:stCondLst>
+                                            <p:cond delay="0"/>
+                                          </p:stCondLst>
+                                        </p:cTn>
+                                        <p:tgtEl>
+                                          <p:spTgt spid="13"/>
+                                        </p:tgtEl>
+                                        <p:attrNameLst>
+                                          <p:attrName>style.visibility</p:attrName>
+                                        </p:attrNameLst>
+                                      </p:cBhvr>
+                                      <p:to>
+                                        <p:strVal val="visible"/>
+                                      </p:to>
+                                    </p:set>
+                                    <p:animEffect transition="in" filter="wipe(down)">
+                                      <p:cBhvr>
+                                        <p:cTn id="84" dur="500"/>
+                                        <p:tgtEl>
+                                          <p:spTgt spid="13"/>
+                                        </p:tgtEl>
+                                      </p:cBhvr>
+                                    </p:animEffect>
+                                  </p:childTnLst>
+                                </p:cTn>
+                              </p:par>
+                            </p:childTnLst>
+                          </p:cTn>
+                        </p:par>
+                      </p:childTnLst>
+                    </p:cTn>
+                  </p:par>
+                  <p:par>
+                    <p:cTn id="85" fill="hold">
+                      <p:stCondLst>
+                        <p:cond delay="indefinite"/>
+                      </p:stCondLst>
+                      <p:childTnLst>
+                        <p:par>
+                          <p:cTn id="86" fill="hold">
+                            <p:stCondLst>
+                              <p:cond delay="0"/>
+                            </p:stCondLst>
+                            <p:childTnLst>
+                              <p:par>
+                                <p:cTn id="87" presetID="22" presetClass="entr" presetSubtype="4" fill="hold" nodeType="clickEffect">
+                                  <p:stCondLst>
+                                    <p:cond delay="0"/>
+                                  </p:stCondLst>
+                                  <p:childTnLst>
+                                    <p:set>
+                                      <p:cBhvr>
+                                        <p:cTn id="88" dur="1" fill="hold">
+                                          <p:stCondLst>
+                                            <p:cond delay="0"/>
+                                          </p:stCondLst>
+                                        </p:cTn>
+                                        <p:tgtEl>
+                                          <p:spTgt spid="12"/>
+                                        </p:tgtEl>
+                                        <p:attrNameLst>
+                                          <p:attrName>style.visibility</p:attrName>
+                                        </p:attrNameLst>
+                                      </p:cBhvr>
+                                      <p:to>
+                                        <p:strVal val="visible"/>
+                                      </p:to>
+                                    </p:set>
+                                    <p:animEffect transition="in" filter="wipe(down)">
+                                      <p:cBhvr>
+                                        <p:cTn id="89" dur="500"/>
+                                        <p:tgtEl>
+                                          <p:spTgt spid="12"/>
+                                        </p:tgtEl>
+                                      </p:cBhvr>
+                                    </p:animEffect>
+                                  </p:childTnLst>
+                                </p:cTn>
+                              </p:par>
+                            </p:childTnLst>
+                          </p:cTn>
+                        </p:par>
+                      </p:childTnLst>
+                    </p:cTn>
+                  </p:par>
+                  <p:par>
+                    <p:cTn id="90" fill="hold">
+                      <p:stCondLst>
+                        <p:cond delay="indefinite"/>
+                      </p:stCondLst>
+                      <p:childTnLst>
+                        <p:par>
+                          <p:cTn id="91" fill="hold">
+                            <p:stCondLst>
+                              <p:cond delay="0"/>
+                            </p:stCondLst>
+                            <p:childTnLst>
+                              <p:par>
+                                <p:cTn id="92" presetID="22" presetClass="entr" presetSubtype="4" fill="hold" nodeType="clickEffect">
+                                  <p:stCondLst>
+                                    <p:cond delay="0"/>
+                                  </p:stCondLst>
+                                  <p:childTnLst>
+                                    <p:set>
+                                      <p:cBhvr>
+                                        <p:cTn id="93" dur="1" fill="hold">
+                                          <p:stCondLst>
+                                            <p:cond delay="0"/>
+                                          </p:stCondLst>
+                                        </p:cTn>
+                                        <p:tgtEl>
+                                          <p:spTgt spid="6"/>
+                                        </p:tgtEl>
+                                        <p:attrNameLst>
+                                          <p:attrName>style.visibility</p:attrName>
+                                        </p:attrNameLst>
+                                      </p:cBhvr>
+                                      <p:to>
+                                        <p:strVal val="visible"/>
+                                      </p:to>
+                                    </p:set>
+                                    <p:animEffect transition="in" filter="wipe(down)">
+                                      <p:cBhvr>
+                                        <p:cTn id="94" dur="500"/>
+                                        <p:tgtEl>
+                                          <p:spTgt spid="6"/>
+                                        </p:tgtEl>
+                                      </p:cBhvr>
+                                    </p:animEffect>
+                                  </p:childTnLst>
+                                </p:cTn>
+                              </p:par>
+                            </p:childTnLst>
+                          </p:cTn>
+                        </p:par>
+                      </p:childTnLst>
+                    </p:cTn>
+                  </p:par>
+                  <p:par>
+                    <p:cTn id="95" fill="hold">
+                      <p:stCondLst>
+                        <p:cond delay="indefinite"/>
+                      </p:stCondLst>
+                      <p:childTnLst>
+                        <p:par>
+                          <p:cTn id="96" fill="hold">
+                            <p:stCondLst>
+                              <p:cond delay="0"/>
+                            </p:stCondLst>
+                            <p:childTnLst>
+                              <p:par>
+                                <p:cTn id="97" presetID="22" presetClass="entr" presetSubtype="4" fill="hold" nodeType="clickEffect">
+                                  <p:stCondLst>
+                                    <p:cond delay="0"/>
+                                  </p:stCondLst>
+                                  <p:childTnLst>
+                                    <p:set>
+                                      <p:cBhvr>
+                                        <p:cTn id="98" dur="1" fill="hold">
+                                          <p:stCondLst>
+                                            <p:cond delay="0"/>
+                                          </p:stCondLst>
+                                        </p:cTn>
+                                        <p:tgtEl>
+                                          <p:spTgt spid="20"/>
+                                        </p:tgtEl>
+                                        <p:attrNameLst>
+                                          <p:attrName>style.visibility</p:attrName>
+                                        </p:attrNameLst>
+                                      </p:cBhvr>
+                                      <p:to>
+                                        <p:strVal val="visible"/>
+                                      </p:to>
+                                    </p:set>
+                                    <p:animEffect transition="in" filter="wipe(down)">
+                                      <p:cBhvr>
+                                        <p:cTn id="99" dur="500"/>
+                                        <p:tgtEl>
+                                          <p:spTgt spid="20"/>
+                                        </p:tgtEl>
+                                      </p:cBhvr>
+                                    </p:animEffect>
+                                  </p:childTnLst>
+                                </p:cTn>
+                              </p:par>
+                            </p:childTnLst>
+                          </p:cTn>
+                        </p:par>
+                      </p:childTnLst>
+                    </p:cTn>
+                  </p:par>
+                </p:childTnLst>
+              </p:cTn>
+              <p:prevCondLst>
+                <p:cond evt="onPrev" delay="0">
+                  <p:tgtEl>
+                    <p:sldTgt/>
+                  </p:tgtEl>
+                </p:cond>
+              </p:prevCondLst>
+              <p:nextCondLst>
+                <p:cond evt="onNext" delay="0">
+                  <p:tgtEl>
+                    <p:sldTgt/>
+                  </p:tgtEl>
+                </p:cond>
+              </p:nextCondLst>
+            </p:seq>
+          </p:childTnLst>
+        </p:cTn>
+      </p:par>
+    </p:tnLst>
+  </p:timing>
 </p:sld>
 </file>
 
